--- a/IPCamera_Class_Face_Detect/report_and_example/explaination.pptx
+++ b/IPCamera_Class_Face_Detect/report_and_example/explaination.pptx
@@ -13,6 +13,18 @@
     <p:sldId id="261" r:id="rId7"/>
     <p:sldId id="262" r:id="rId8"/>
     <p:sldId id="263" r:id="rId9"/>
+    <p:sldId id="264" r:id="rId10"/>
+    <p:sldId id="265" r:id="rId11"/>
+    <p:sldId id="266" r:id="rId12"/>
+    <p:sldId id="267" r:id="rId13"/>
+    <p:sldId id="268" r:id="rId14"/>
+    <p:sldId id="269" r:id="rId15"/>
+    <p:sldId id="270" r:id="rId16"/>
+    <p:sldId id="271" r:id="rId17"/>
+    <p:sldId id="272" r:id="rId18"/>
+    <p:sldId id="273" r:id="rId19"/>
+    <p:sldId id="274" r:id="rId20"/>
+    <p:sldId id="275" r:id="rId21"/>
   </p:sldIdLst>
   <p:sldSz cx="12192000" cy="6858000"/>
   <p:notesSz cx="6858000" cy="9144000"/>
@@ -111,6 +123,11 @@
       </a:defRPr>
     </a:lvl9pPr>
   </p:defaultTextStyle>
+  <p:extLst>
+    <p:ext uri="{EFAFB233-063F-42B5-8137-9DF3F51BA10A}">
+      <p15:sldGuideLst xmlns:p15="http://schemas.microsoft.com/office/powerpoint/2012/main"/>
+    </p:ext>
+  </p:extLst>
 </p:presentation>
 </file>
 
@@ -245,7 +262,7 @@
           <a:p>
             <a:fld id="{206A8BCB-CD1E-40BF-A5F9-E1AC5DAECE28}" type="datetimeFigureOut">
               <a:rPr lang="en-US" smtClean="0"/>
-              <a:t>3/27/2019</a:t>
+              <a:t>4/11/2019</a:t>
             </a:fld>
             <a:endParaRPr lang="en-US"/>
           </a:p>
@@ -415,7 +432,7 @@
           <a:p>
             <a:fld id="{206A8BCB-CD1E-40BF-A5F9-E1AC5DAECE28}" type="datetimeFigureOut">
               <a:rPr lang="en-US" smtClean="0"/>
-              <a:t>3/27/2019</a:t>
+              <a:t>4/11/2019</a:t>
             </a:fld>
             <a:endParaRPr lang="en-US"/>
           </a:p>
@@ -595,7 +612,7 @@
           <a:p>
             <a:fld id="{206A8BCB-CD1E-40BF-A5F9-E1AC5DAECE28}" type="datetimeFigureOut">
               <a:rPr lang="en-US" smtClean="0"/>
-              <a:t>3/27/2019</a:t>
+              <a:t>4/11/2019</a:t>
             </a:fld>
             <a:endParaRPr lang="en-US"/>
           </a:p>
@@ -765,7 +782,7 @@
           <a:p>
             <a:fld id="{206A8BCB-CD1E-40BF-A5F9-E1AC5DAECE28}" type="datetimeFigureOut">
               <a:rPr lang="en-US" smtClean="0"/>
-              <a:t>3/27/2019</a:t>
+              <a:t>4/11/2019</a:t>
             </a:fld>
             <a:endParaRPr lang="en-US"/>
           </a:p>
@@ -1011,7 +1028,7 @@
           <a:p>
             <a:fld id="{206A8BCB-CD1E-40BF-A5F9-E1AC5DAECE28}" type="datetimeFigureOut">
               <a:rPr lang="en-US" smtClean="0"/>
-              <a:t>3/27/2019</a:t>
+              <a:t>4/11/2019</a:t>
             </a:fld>
             <a:endParaRPr lang="en-US"/>
           </a:p>
@@ -1243,7 +1260,7 @@
           <a:p>
             <a:fld id="{206A8BCB-CD1E-40BF-A5F9-E1AC5DAECE28}" type="datetimeFigureOut">
               <a:rPr lang="en-US" smtClean="0"/>
-              <a:t>3/27/2019</a:t>
+              <a:t>4/11/2019</a:t>
             </a:fld>
             <a:endParaRPr lang="en-US"/>
           </a:p>
@@ -1610,7 +1627,7 @@
           <a:p>
             <a:fld id="{206A8BCB-CD1E-40BF-A5F9-E1AC5DAECE28}" type="datetimeFigureOut">
               <a:rPr lang="en-US" smtClean="0"/>
-              <a:t>3/27/2019</a:t>
+              <a:t>4/11/2019</a:t>
             </a:fld>
             <a:endParaRPr lang="en-US"/>
           </a:p>
@@ -1728,7 +1745,7 @@
           <a:p>
             <a:fld id="{206A8BCB-CD1E-40BF-A5F9-E1AC5DAECE28}" type="datetimeFigureOut">
               <a:rPr lang="en-US" smtClean="0"/>
-              <a:t>3/27/2019</a:t>
+              <a:t>4/11/2019</a:t>
             </a:fld>
             <a:endParaRPr lang="en-US"/>
           </a:p>
@@ -1823,7 +1840,7 @@
           <a:p>
             <a:fld id="{206A8BCB-CD1E-40BF-A5F9-E1AC5DAECE28}" type="datetimeFigureOut">
               <a:rPr lang="en-US" smtClean="0"/>
-              <a:t>3/27/2019</a:t>
+              <a:t>4/11/2019</a:t>
             </a:fld>
             <a:endParaRPr lang="en-US"/>
           </a:p>
@@ -2100,7 +2117,7 @@
           <a:p>
             <a:fld id="{206A8BCB-CD1E-40BF-A5F9-E1AC5DAECE28}" type="datetimeFigureOut">
               <a:rPr lang="en-US" smtClean="0"/>
-              <a:t>3/27/2019</a:t>
+              <a:t>4/11/2019</a:t>
             </a:fld>
             <a:endParaRPr lang="en-US"/>
           </a:p>
@@ -2353,7 +2370,7 @@
           <a:p>
             <a:fld id="{206A8BCB-CD1E-40BF-A5F9-E1AC5DAECE28}" type="datetimeFigureOut">
               <a:rPr lang="en-US" smtClean="0"/>
-              <a:t>3/27/2019</a:t>
+              <a:t>4/11/2019</a:t>
             </a:fld>
             <a:endParaRPr lang="en-US"/>
           </a:p>
@@ -2566,7 +2583,7 @@
           <a:p>
             <a:fld id="{206A8BCB-CD1E-40BF-A5F9-E1AC5DAECE28}" type="datetimeFigureOut">
               <a:rPr lang="en-US" smtClean="0"/>
-              <a:t>3/27/2019</a:t>
+              <a:t>4/11/2019</a:t>
             </a:fld>
             <a:endParaRPr lang="en-US"/>
           </a:p>
@@ -3851,6 +3868,1866 @@
 </p:sld>
 </file>
 
+<file path=ppt/slides/slide10.xml><?xml version="1.0" encoding="utf-8"?>
+<p:sld xmlns:a="http://schemas.openxmlformats.org/drawingml/2006/main" xmlns:r="http://schemas.openxmlformats.org/officeDocument/2006/relationships" xmlns:p="http://schemas.openxmlformats.org/presentationml/2006/main">
+  <p:cSld>
+    <p:spTree>
+      <p:nvGrpSpPr>
+        <p:cNvPr id="1" name=""/>
+        <p:cNvGrpSpPr/>
+        <p:nvPr/>
+      </p:nvGrpSpPr>
+      <p:grpSpPr>
+        <a:xfrm>
+          <a:off x="0" y="0"/>
+          <a:ext cx="0" cy="0"/>
+          <a:chOff x="0" y="0"/>
+          <a:chExt cx="0" cy="0"/>
+        </a:xfrm>
+      </p:grpSpPr>
+      <p:pic>
+        <p:nvPicPr>
+          <p:cNvPr id="4" name="Picture 3"/>
+          <p:cNvPicPr>
+            <a:picLocks noChangeAspect="1"/>
+          </p:cNvPicPr>
+          <p:nvPr/>
+        </p:nvPicPr>
+        <p:blipFill>
+          <a:blip r:embed="rId2"/>
+          <a:stretch>
+            <a:fillRect/>
+          </a:stretch>
+        </p:blipFill>
+        <p:spPr>
+          <a:xfrm>
+            <a:off x="0" y="77561"/>
+            <a:ext cx="10563225" cy="4438650"/>
+          </a:xfrm>
+          <a:prstGeom prst="rect">
+            <a:avLst/>
+          </a:prstGeom>
+        </p:spPr>
+      </p:pic>
+      <p:sp>
+        <p:nvSpPr>
+          <p:cNvPr id="5" name="TextBox 4"/>
+          <p:cNvSpPr txBox="1"/>
+          <p:nvPr/>
+        </p:nvSpPr>
+        <p:spPr>
+          <a:xfrm>
+            <a:off x="618309" y="4659086"/>
+            <a:ext cx="11138262" cy="646331"/>
+          </a:xfrm>
+          <a:prstGeom prst="rect">
+            <a:avLst/>
+          </a:prstGeom>
+          <a:noFill/>
+        </p:spPr>
+        <p:txBody>
+          <a:bodyPr wrap="square" rtlCol="0">
+            <a:spAutoFit/>
+          </a:bodyPr>
+          <a:lstStyle/>
+          <a:p>
+            <a:pPr marL="285750" indent="-285750">
+              <a:buFontTx/>
+              <a:buChar char="-"/>
+            </a:pPr>
+            <a:r>
+              <a:rPr lang="en-US" dirty="0" err="1" smtClean="0"/>
+              <a:t>Lấy</a:t>
+            </a:r>
+            <a:r>
+              <a:rPr lang="en-US" dirty="0" smtClean="0"/>
+              <a:t> </a:t>
+            </a:r>
+            <a:r>
+              <a:rPr lang="en-US" dirty="0" err="1" smtClean="0"/>
+              <a:t>những</a:t>
+            </a:r>
+            <a:r>
+              <a:rPr lang="en-US" dirty="0" smtClean="0"/>
+              <a:t> </a:t>
+            </a:r>
+            <a:r>
+              <a:rPr lang="en-US" dirty="0" err="1" smtClean="0"/>
+              <a:t>khung</a:t>
+            </a:r>
+            <a:r>
+              <a:rPr lang="en-US" dirty="0" smtClean="0"/>
+              <a:t> </a:t>
+            </a:r>
+            <a:r>
+              <a:rPr lang="en-US" dirty="0" err="1" smtClean="0"/>
+              <a:t>mà</a:t>
+            </a:r>
+            <a:r>
+              <a:rPr lang="en-US" dirty="0" smtClean="0"/>
+              <a:t> detect </a:t>
+            </a:r>
+            <a:r>
+              <a:rPr lang="en-US" dirty="0" err="1" smtClean="0"/>
+              <a:t>được</a:t>
+            </a:r>
+            <a:r>
+              <a:rPr lang="en-US" dirty="0" smtClean="0"/>
+              <a:t> </a:t>
+            </a:r>
+            <a:r>
+              <a:rPr lang="en-US" dirty="0" err="1" smtClean="0"/>
+              <a:t>mặt</a:t>
+            </a:r>
+            <a:endParaRPr lang="en-US" dirty="0" smtClean="0"/>
+          </a:p>
+          <a:p>
+            <a:pPr marL="285750" indent="-285750">
+              <a:buFontTx/>
+              <a:buChar char="-"/>
+            </a:pPr>
+            <a:r>
+              <a:rPr lang="en-US" dirty="0" err="1" smtClean="0"/>
+              <a:t>Vẽ</a:t>
+            </a:r>
+            <a:r>
+              <a:rPr lang="en-US" dirty="0" smtClean="0"/>
+              <a:t> </a:t>
+            </a:r>
+            <a:r>
+              <a:rPr lang="en-US" dirty="0" err="1" smtClean="0"/>
+              <a:t>khung</a:t>
+            </a:r>
+            <a:r>
+              <a:rPr lang="en-US" dirty="0" smtClean="0"/>
+              <a:t> </a:t>
+            </a:r>
+            <a:r>
+              <a:rPr lang="en-US" dirty="0" err="1" smtClean="0"/>
+              <a:t>vuông</a:t>
+            </a:r>
+            <a:r>
+              <a:rPr lang="en-US" dirty="0" smtClean="0"/>
+              <a:t> </a:t>
+            </a:r>
+            <a:r>
+              <a:rPr lang="en-US" dirty="0" err="1" smtClean="0"/>
+              <a:t>và</a:t>
+            </a:r>
+            <a:r>
+              <a:rPr lang="en-US" dirty="0" smtClean="0"/>
+              <a:t> </a:t>
+            </a:r>
+            <a:r>
+              <a:rPr lang="en-US" dirty="0" err="1" smtClean="0"/>
+              <a:t>ghi</a:t>
+            </a:r>
+            <a:r>
+              <a:rPr lang="en-US" dirty="0" smtClean="0"/>
+              <a:t> </a:t>
+            </a:r>
+            <a:r>
+              <a:rPr lang="en-US" dirty="0" err="1" smtClean="0"/>
+              <a:t>chữ</a:t>
+            </a:r>
+            <a:r>
+              <a:rPr lang="en-US" dirty="0" smtClean="0"/>
+              <a:t> </a:t>
+            </a:r>
+            <a:r>
+              <a:rPr lang="en-US" dirty="0" err="1" smtClean="0"/>
+              <a:t>lên</a:t>
+            </a:r>
+            <a:r>
+              <a:rPr lang="en-US" dirty="0" smtClean="0"/>
+              <a:t>.</a:t>
+            </a:r>
+            <a:endParaRPr lang="en-US" dirty="0"/>
+          </a:p>
+        </p:txBody>
+      </p:sp>
+    </p:spTree>
+    <p:extLst>
+      <p:ext uri="{BB962C8B-B14F-4D97-AF65-F5344CB8AC3E}">
+        <p14:creationId xmlns:p14="http://schemas.microsoft.com/office/powerpoint/2010/main" val="626883945"/>
+      </p:ext>
+    </p:extLst>
+  </p:cSld>
+  <p:clrMapOvr>
+    <a:masterClrMapping/>
+  </p:clrMapOvr>
+</p:sld>
+</file>
+
+<file path=ppt/slides/slide11.xml><?xml version="1.0" encoding="utf-8"?>
+<p:sld xmlns:a="http://schemas.openxmlformats.org/drawingml/2006/main" xmlns:r="http://schemas.openxmlformats.org/officeDocument/2006/relationships" xmlns:p="http://schemas.openxmlformats.org/presentationml/2006/main">
+  <p:cSld>
+    <p:spTree>
+      <p:nvGrpSpPr>
+        <p:cNvPr id="1" name=""/>
+        <p:cNvGrpSpPr/>
+        <p:nvPr/>
+      </p:nvGrpSpPr>
+      <p:grpSpPr>
+        <a:xfrm>
+          <a:off x="0" y="0"/>
+          <a:ext cx="0" cy="0"/>
+          <a:chOff x="0" y="0"/>
+          <a:chExt cx="0" cy="0"/>
+        </a:xfrm>
+      </p:grpSpPr>
+      <p:pic>
+        <p:nvPicPr>
+          <p:cNvPr id="4" name="Picture 3"/>
+          <p:cNvPicPr>
+            <a:picLocks noChangeAspect="1"/>
+          </p:cNvPicPr>
+          <p:nvPr/>
+        </p:nvPicPr>
+        <p:blipFill>
+          <a:blip r:embed="rId2"/>
+          <a:stretch>
+            <a:fillRect/>
+          </a:stretch>
+        </p:blipFill>
+        <p:spPr>
+          <a:xfrm>
+            <a:off x="352697" y="144508"/>
+            <a:ext cx="10668000" cy="2876550"/>
+          </a:xfrm>
+          <a:prstGeom prst="rect">
+            <a:avLst/>
+          </a:prstGeom>
+        </p:spPr>
+      </p:pic>
+      <p:sp>
+        <p:nvSpPr>
+          <p:cNvPr id="5" name="TextBox 4"/>
+          <p:cNvSpPr txBox="1"/>
+          <p:nvPr/>
+        </p:nvSpPr>
+        <p:spPr>
+          <a:xfrm>
+            <a:off x="226423" y="3291840"/>
+            <a:ext cx="11686903" cy="923330"/>
+          </a:xfrm>
+          <a:prstGeom prst="rect">
+            <a:avLst/>
+          </a:prstGeom>
+          <a:noFill/>
+        </p:spPr>
+        <p:txBody>
+          <a:bodyPr wrap="square" rtlCol="0">
+            <a:spAutoFit/>
+          </a:bodyPr>
+          <a:lstStyle/>
+          <a:p>
+            <a:pPr marL="285750" indent="-285750">
+              <a:buFontTx/>
+              <a:buChar char="-"/>
+            </a:pPr>
+            <a:r>
+              <a:rPr lang="en-US" dirty="0" smtClean="0"/>
+              <a:t>cv2.warpAffine: </a:t>
+            </a:r>
+            <a:r>
+              <a:rPr lang="en-US" dirty="0" err="1" smtClean="0"/>
+              <a:t>sử</a:t>
+            </a:r>
+            <a:r>
+              <a:rPr lang="en-US" dirty="0" smtClean="0"/>
+              <a:t> </a:t>
+            </a:r>
+            <a:r>
+              <a:rPr lang="en-US" dirty="0" err="1" smtClean="0"/>
+              <a:t>dụng</a:t>
+            </a:r>
+            <a:r>
+              <a:rPr lang="en-US" dirty="0" smtClean="0"/>
+              <a:t> 1 map matrix </a:t>
+            </a:r>
+            <a:r>
+              <a:rPr lang="en-US" dirty="0" err="1" smtClean="0"/>
+              <a:t>và</a:t>
+            </a:r>
+            <a:r>
+              <a:rPr lang="en-US" dirty="0" smtClean="0"/>
+              <a:t> </a:t>
+            </a:r>
+            <a:r>
+              <a:rPr lang="en-US" dirty="0" err="1" smtClean="0"/>
+              <a:t>Công</a:t>
+            </a:r>
+            <a:r>
+              <a:rPr lang="en-US" dirty="0" smtClean="0"/>
+              <a:t> </a:t>
+            </a:r>
+            <a:r>
+              <a:rPr lang="en-US" dirty="0" err="1" smtClean="0"/>
+              <a:t>thức</a:t>
+            </a:r>
+            <a:r>
+              <a:rPr lang="en-US" dirty="0" smtClean="0"/>
+              <a:t> </a:t>
+            </a:r>
+            <a:r>
+              <a:rPr lang="en-US" dirty="0" err="1" smtClean="0"/>
+              <a:t>biến</a:t>
+            </a:r>
+            <a:r>
+              <a:rPr lang="en-US" dirty="0" smtClean="0"/>
+              <a:t> </a:t>
+            </a:r>
+            <a:r>
+              <a:rPr lang="en-US" dirty="0" err="1" smtClean="0"/>
+              <a:t>đổi</a:t>
+            </a:r>
+            <a:r>
+              <a:rPr lang="en-US" dirty="0" smtClean="0"/>
+              <a:t> </a:t>
+            </a:r>
+            <a:r>
+              <a:rPr lang="en-US" dirty="0" err="1" smtClean="0"/>
+              <a:t>xem</a:t>
+            </a:r>
+            <a:r>
+              <a:rPr lang="en-US" dirty="0" smtClean="0"/>
+              <a:t> </a:t>
+            </a:r>
+            <a:r>
+              <a:rPr lang="en-US" dirty="0" err="1" smtClean="0"/>
+              <a:t>tại</a:t>
+            </a:r>
+            <a:r>
+              <a:rPr lang="en-US" dirty="0" smtClean="0"/>
+              <a:t> </a:t>
+            </a:r>
+            <a:r>
+              <a:rPr lang="en-US" dirty="0" err="1" smtClean="0"/>
+              <a:t>đây</a:t>
+            </a:r>
+            <a:r>
+              <a:rPr lang="en-US" dirty="0" smtClean="0"/>
+              <a:t> </a:t>
+            </a:r>
+          </a:p>
+          <a:p>
+            <a:pPr marL="285750" indent="-285750">
+              <a:buFontTx/>
+              <a:buChar char="-"/>
+            </a:pPr>
+            <a:r>
+              <a:rPr lang="en-US" dirty="0">
+                <a:hlinkClick r:id="rId3"/>
+              </a:rPr>
+              <a:t>https://</a:t>
+            </a:r>
+            <a:r>
+              <a:rPr lang="en-US" dirty="0" smtClean="0">
+                <a:hlinkClick r:id="rId3"/>
+              </a:rPr>
+              <a:t>docs.opencv.org/2.4/modules/imgproc/doc/geometric_transformations.html?highlight=warpaffine</a:t>
+            </a:r>
+            <a:endParaRPr lang="en-US" dirty="0" smtClean="0"/>
+          </a:p>
+          <a:p>
+            <a:pPr marL="285750" indent="-285750">
+              <a:buFontTx/>
+              <a:buChar char="-"/>
+            </a:pPr>
+            <a:r>
+              <a:rPr lang="en-US" dirty="0" err="1" smtClean="0"/>
+              <a:t>Để</a:t>
+            </a:r>
+            <a:r>
+              <a:rPr lang="en-US" dirty="0" smtClean="0"/>
+              <a:t> </a:t>
+            </a:r>
+            <a:r>
+              <a:rPr lang="en-US" dirty="0" err="1" smtClean="0"/>
+              <a:t>thay</a:t>
+            </a:r>
+            <a:r>
+              <a:rPr lang="en-US" dirty="0" smtClean="0"/>
+              <a:t> </a:t>
+            </a:r>
+            <a:r>
+              <a:rPr lang="en-US" dirty="0" err="1" smtClean="0"/>
+              <a:t>đổi</a:t>
+            </a:r>
+            <a:r>
+              <a:rPr lang="en-US" dirty="0" smtClean="0"/>
+              <a:t> </a:t>
+            </a:r>
+            <a:r>
+              <a:rPr lang="en-US" dirty="0" err="1" smtClean="0"/>
+              <a:t>vị</a:t>
+            </a:r>
+            <a:r>
+              <a:rPr lang="en-US" dirty="0" smtClean="0"/>
+              <a:t> </a:t>
+            </a:r>
+            <a:r>
+              <a:rPr lang="en-US" dirty="0" err="1" smtClean="0"/>
+              <a:t>trí</a:t>
+            </a:r>
+            <a:r>
+              <a:rPr lang="en-US" dirty="0" smtClean="0"/>
+              <a:t> </a:t>
+            </a:r>
+            <a:r>
+              <a:rPr lang="en-US" dirty="0" err="1" smtClean="0"/>
+              <a:t>hình</a:t>
+            </a:r>
+            <a:endParaRPr lang="en-US" dirty="0"/>
+          </a:p>
+        </p:txBody>
+      </p:sp>
+    </p:spTree>
+    <p:extLst>
+      <p:ext uri="{BB962C8B-B14F-4D97-AF65-F5344CB8AC3E}">
+        <p14:creationId xmlns:p14="http://schemas.microsoft.com/office/powerpoint/2010/main" val="1375928034"/>
+      </p:ext>
+    </p:extLst>
+  </p:cSld>
+  <p:clrMapOvr>
+    <a:masterClrMapping/>
+  </p:clrMapOvr>
+</p:sld>
+</file>
+
+<file path=ppt/slides/slide12.xml><?xml version="1.0" encoding="utf-8"?>
+<p:sld xmlns:a="http://schemas.openxmlformats.org/drawingml/2006/main" xmlns:r="http://schemas.openxmlformats.org/officeDocument/2006/relationships" xmlns:p="http://schemas.openxmlformats.org/presentationml/2006/main">
+  <p:cSld>
+    <p:spTree>
+      <p:nvGrpSpPr>
+        <p:cNvPr id="1" name=""/>
+        <p:cNvGrpSpPr/>
+        <p:nvPr/>
+      </p:nvGrpSpPr>
+      <p:grpSpPr>
+        <a:xfrm>
+          <a:off x="0" y="0"/>
+          <a:ext cx="0" cy="0"/>
+          <a:chOff x="0" y="0"/>
+          <a:chExt cx="0" cy="0"/>
+        </a:xfrm>
+      </p:grpSpPr>
+      <p:pic>
+        <p:nvPicPr>
+          <p:cNvPr id="4" name="Picture 3"/>
+          <p:cNvPicPr>
+            <a:picLocks noChangeAspect="1"/>
+          </p:cNvPicPr>
+          <p:nvPr/>
+        </p:nvPicPr>
+        <p:blipFill>
+          <a:blip r:embed="rId2"/>
+          <a:stretch>
+            <a:fillRect/>
+          </a:stretch>
+        </p:blipFill>
+        <p:spPr>
+          <a:xfrm>
+            <a:off x="152590" y="0"/>
+            <a:ext cx="10734675" cy="4305300"/>
+          </a:xfrm>
+          <a:prstGeom prst="rect">
+            <a:avLst/>
+          </a:prstGeom>
+        </p:spPr>
+      </p:pic>
+      <p:sp>
+        <p:nvSpPr>
+          <p:cNvPr id="5" name="TextBox 4"/>
+          <p:cNvSpPr txBox="1"/>
+          <p:nvPr/>
+        </p:nvSpPr>
+        <p:spPr>
+          <a:xfrm>
+            <a:off x="420624" y="4443984"/>
+            <a:ext cx="10762488" cy="646331"/>
+          </a:xfrm>
+          <a:prstGeom prst="rect">
+            <a:avLst/>
+          </a:prstGeom>
+          <a:noFill/>
+        </p:spPr>
+        <p:txBody>
+          <a:bodyPr wrap="square" rtlCol="0">
+            <a:spAutoFit/>
+          </a:bodyPr>
+          <a:lstStyle/>
+          <a:p>
+            <a:pPr marL="285750" indent="-285750">
+              <a:buFontTx/>
+              <a:buChar char="-"/>
+            </a:pPr>
+            <a:r>
+              <a:rPr lang="en-US" dirty="0" err="1" smtClean="0"/>
+              <a:t>Sử</a:t>
+            </a:r>
+            <a:r>
+              <a:rPr lang="en-US" dirty="0" smtClean="0"/>
+              <a:t> </a:t>
+            </a:r>
+            <a:r>
+              <a:rPr lang="en-US" dirty="0" err="1" smtClean="0"/>
+              <a:t>dụng</a:t>
+            </a:r>
+            <a:r>
+              <a:rPr lang="en-US" dirty="0" smtClean="0"/>
+              <a:t> 1 ma </a:t>
+            </a:r>
+            <a:r>
+              <a:rPr lang="en-US" dirty="0" err="1" smtClean="0"/>
+              <a:t>trận</a:t>
+            </a:r>
+            <a:r>
+              <a:rPr lang="en-US" dirty="0" smtClean="0"/>
+              <a:t> </a:t>
+            </a:r>
+            <a:r>
+              <a:rPr lang="en-US" dirty="0" err="1" smtClean="0"/>
+              <a:t>biến</a:t>
+            </a:r>
+            <a:r>
+              <a:rPr lang="en-US" dirty="0" smtClean="0"/>
+              <a:t> </a:t>
+            </a:r>
+            <a:r>
+              <a:rPr lang="en-US" dirty="0" err="1" smtClean="0"/>
+              <a:t>đổi</a:t>
+            </a:r>
+            <a:r>
+              <a:rPr lang="en-US" dirty="0" smtClean="0"/>
+              <a:t> </a:t>
+            </a:r>
+            <a:r>
+              <a:rPr lang="en-US" dirty="0" err="1" smtClean="0"/>
+              <a:t>từ</a:t>
+            </a:r>
+            <a:r>
+              <a:rPr lang="en-US" dirty="0" smtClean="0"/>
+              <a:t> </a:t>
+            </a:r>
+            <a:r>
+              <a:rPr lang="en-US" dirty="0" err="1" smtClean="0"/>
+              <a:t>hàm</a:t>
+            </a:r>
+            <a:r>
+              <a:rPr lang="en-US" dirty="0" smtClean="0"/>
+              <a:t> getRotationMatrix2D ( </a:t>
+            </a:r>
+            <a:r>
+              <a:rPr lang="en-US" dirty="0" err="1" smtClean="0"/>
+              <a:t>lý</a:t>
+            </a:r>
+            <a:r>
+              <a:rPr lang="en-US" dirty="0" smtClean="0"/>
+              <a:t> do chia 2 </a:t>
+            </a:r>
+            <a:r>
+              <a:rPr lang="en-US" dirty="0" err="1" smtClean="0"/>
+              <a:t>là</a:t>
+            </a:r>
+            <a:r>
+              <a:rPr lang="en-US" dirty="0" smtClean="0"/>
+              <a:t> </a:t>
+            </a:r>
+            <a:r>
+              <a:rPr lang="en-US" dirty="0" err="1" smtClean="0"/>
+              <a:t>để</a:t>
+            </a:r>
+            <a:r>
+              <a:rPr lang="en-US" dirty="0" smtClean="0"/>
+              <a:t> </a:t>
+            </a:r>
+            <a:r>
+              <a:rPr lang="en-US" dirty="0" err="1" smtClean="0"/>
+              <a:t>vừa</a:t>
+            </a:r>
+            <a:r>
+              <a:rPr lang="en-US" dirty="0" smtClean="0"/>
+              <a:t> </a:t>
+            </a:r>
+            <a:r>
+              <a:rPr lang="en-US" dirty="0" err="1" smtClean="0"/>
+              <a:t>với</a:t>
+            </a:r>
+            <a:r>
+              <a:rPr lang="en-US" dirty="0" smtClean="0"/>
+              <a:t> </a:t>
+            </a:r>
+            <a:r>
+              <a:rPr lang="en-US" dirty="0" err="1" smtClean="0"/>
+              <a:t>ảnh</a:t>
+            </a:r>
+            <a:r>
+              <a:rPr lang="en-US" dirty="0" smtClean="0"/>
+              <a:t> </a:t>
+            </a:r>
+            <a:r>
+              <a:rPr lang="en-US" dirty="0" err="1" smtClean="0"/>
+              <a:t>mới</a:t>
+            </a:r>
+            <a:r>
+              <a:rPr lang="en-US" dirty="0" smtClean="0"/>
+              <a:t>)</a:t>
+            </a:r>
+          </a:p>
+          <a:p>
+            <a:pPr marL="285750" indent="-285750">
+              <a:buFontTx/>
+              <a:buChar char="-"/>
+            </a:pPr>
+            <a:r>
+              <a:rPr lang="en-US" dirty="0" err="1" smtClean="0"/>
+              <a:t>Sau</a:t>
+            </a:r>
+            <a:r>
+              <a:rPr lang="en-US" dirty="0" smtClean="0"/>
+              <a:t> </a:t>
+            </a:r>
+            <a:r>
+              <a:rPr lang="en-US" dirty="0" err="1" smtClean="0"/>
+              <a:t>đó</a:t>
+            </a:r>
+            <a:r>
+              <a:rPr lang="en-US" dirty="0" smtClean="0"/>
+              <a:t> </a:t>
+            </a:r>
+            <a:r>
+              <a:rPr lang="en-US" dirty="0" err="1" smtClean="0"/>
+              <a:t>dùng</a:t>
+            </a:r>
+            <a:r>
+              <a:rPr lang="en-US" dirty="0" smtClean="0"/>
+              <a:t> </a:t>
+            </a:r>
+            <a:r>
+              <a:rPr lang="en-US" dirty="0" err="1" smtClean="0"/>
+              <a:t>warpAffine</a:t>
+            </a:r>
+            <a:r>
+              <a:rPr lang="en-US" dirty="0" smtClean="0"/>
+              <a:t>.</a:t>
+            </a:r>
+            <a:endParaRPr lang="en-US" dirty="0"/>
+          </a:p>
+        </p:txBody>
+      </p:sp>
+    </p:spTree>
+    <p:extLst>
+      <p:ext uri="{BB962C8B-B14F-4D97-AF65-F5344CB8AC3E}">
+        <p14:creationId xmlns:p14="http://schemas.microsoft.com/office/powerpoint/2010/main" val="125288492"/>
+      </p:ext>
+    </p:extLst>
+  </p:cSld>
+  <p:clrMapOvr>
+    <a:masterClrMapping/>
+  </p:clrMapOvr>
+</p:sld>
+</file>
+
+<file path=ppt/slides/slide13.xml><?xml version="1.0" encoding="utf-8"?>
+<p:sld xmlns:a="http://schemas.openxmlformats.org/drawingml/2006/main" xmlns:r="http://schemas.openxmlformats.org/officeDocument/2006/relationships" xmlns:p="http://schemas.openxmlformats.org/presentationml/2006/main">
+  <p:cSld>
+    <p:spTree>
+      <p:nvGrpSpPr>
+        <p:cNvPr id="1" name=""/>
+        <p:cNvGrpSpPr/>
+        <p:nvPr/>
+      </p:nvGrpSpPr>
+      <p:grpSpPr>
+        <a:xfrm>
+          <a:off x="0" y="0"/>
+          <a:ext cx="0" cy="0"/>
+          <a:chOff x="0" y="0"/>
+          <a:chExt cx="0" cy="0"/>
+        </a:xfrm>
+      </p:grpSpPr>
+      <p:pic>
+        <p:nvPicPr>
+          <p:cNvPr id="4" name="Picture 3"/>
+          <p:cNvPicPr>
+            <a:picLocks noChangeAspect="1"/>
+          </p:cNvPicPr>
+          <p:nvPr/>
+        </p:nvPicPr>
+        <p:blipFill>
+          <a:blip r:embed="rId2"/>
+          <a:stretch>
+            <a:fillRect/>
+          </a:stretch>
+        </p:blipFill>
+        <p:spPr>
+          <a:xfrm>
+            <a:off x="146875" y="138112"/>
+            <a:ext cx="11477625" cy="4752975"/>
+          </a:xfrm>
+          <a:prstGeom prst="rect">
+            <a:avLst/>
+          </a:prstGeom>
+        </p:spPr>
+      </p:pic>
+      <p:sp>
+        <p:nvSpPr>
+          <p:cNvPr id="5" name="TextBox 4"/>
+          <p:cNvSpPr txBox="1"/>
+          <p:nvPr/>
+        </p:nvSpPr>
+        <p:spPr>
+          <a:xfrm>
+            <a:off x="475488" y="5193792"/>
+            <a:ext cx="11365992" cy="369332"/>
+          </a:xfrm>
+          <a:prstGeom prst="rect">
+            <a:avLst/>
+          </a:prstGeom>
+          <a:noFill/>
+        </p:spPr>
+        <p:txBody>
+          <a:bodyPr wrap="square" rtlCol="0">
+            <a:spAutoFit/>
+          </a:bodyPr>
+          <a:lstStyle/>
+          <a:p>
+            <a:r>
+              <a:rPr lang="en-US" dirty="0" err="1" smtClean="0"/>
+              <a:t>Công</a:t>
+            </a:r>
+            <a:r>
+              <a:rPr lang="en-US" dirty="0" smtClean="0"/>
+              <a:t> </a:t>
+            </a:r>
+            <a:r>
+              <a:rPr lang="en-US" dirty="0" err="1" smtClean="0"/>
+              <a:t>thức</a:t>
+            </a:r>
+            <a:r>
+              <a:rPr lang="en-US" dirty="0" smtClean="0"/>
+              <a:t> </a:t>
+            </a:r>
+            <a:r>
+              <a:rPr lang="en-US" dirty="0" err="1" smtClean="0"/>
+              <a:t>getAffineTransform</a:t>
+            </a:r>
+            <a:r>
+              <a:rPr lang="en-US" dirty="0" smtClean="0"/>
+              <a:t>: </a:t>
+            </a:r>
+            <a:endParaRPr lang="en-US" dirty="0"/>
+          </a:p>
+        </p:txBody>
+      </p:sp>
+      <p:pic>
+        <p:nvPicPr>
+          <p:cNvPr id="1026" name="Picture 2" descr="\begin{bmatrix} x'_i \\ y'_i \end{bmatrix} = \texttt{map\_matrix} \cdot \begin{bmatrix} x_i \\ y_i \\ 1 \end{bmatrix}"/>
+          <p:cNvPicPr>
+            <a:picLocks noChangeAspect="1" noChangeArrowheads="1"/>
+          </p:cNvPicPr>
+          <p:nvPr/>
+        </p:nvPicPr>
+        <p:blipFill>
+          <a:blip r:embed="rId3">
+            <a:extLst>
+              <a:ext uri="{28A0092B-C50C-407E-A947-70E740481C1C}">
+                <a14:useLocalDpi xmlns:a14="http://schemas.microsoft.com/office/drawing/2010/main" val="0"/>
+              </a:ext>
+            </a:extLst>
+          </a:blip>
+          <a:srcRect/>
+          <a:stretch>
+            <a:fillRect/>
+          </a:stretch>
+        </p:blipFill>
+        <p:spPr bwMode="auto">
+          <a:xfrm>
+            <a:off x="4028312" y="5059370"/>
+            <a:ext cx="1857375" cy="638175"/>
+          </a:xfrm>
+          <a:prstGeom prst="rect">
+            <a:avLst/>
+          </a:prstGeom>
+          <a:noFill/>
+          <a:extLst>
+            <a:ext uri="{909E8E84-426E-40DD-AFC4-6F175D3DCCD1}">
+              <a14:hiddenFill xmlns:a14="http://schemas.microsoft.com/office/drawing/2010/main">
+                <a:solidFill>
+                  <a:srgbClr val="FFFFFF"/>
+                </a:solidFill>
+              </a14:hiddenFill>
+            </a:ext>
+          </a:extLst>
+        </p:spPr>
+      </p:pic>
+    </p:spTree>
+    <p:extLst>
+      <p:ext uri="{BB962C8B-B14F-4D97-AF65-F5344CB8AC3E}">
+        <p14:creationId xmlns:p14="http://schemas.microsoft.com/office/powerpoint/2010/main" val="2600184884"/>
+      </p:ext>
+    </p:extLst>
+  </p:cSld>
+  <p:clrMapOvr>
+    <a:masterClrMapping/>
+  </p:clrMapOvr>
+</p:sld>
+</file>
+
+<file path=ppt/slides/slide14.xml><?xml version="1.0" encoding="utf-8"?>
+<p:sld xmlns:a="http://schemas.openxmlformats.org/drawingml/2006/main" xmlns:r="http://schemas.openxmlformats.org/officeDocument/2006/relationships" xmlns:p="http://schemas.openxmlformats.org/presentationml/2006/main">
+  <p:cSld>
+    <p:spTree>
+      <p:nvGrpSpPr>
+        <p:cNvPr id="1" name=""/>
+        <p:cNvGrpSpPr/>
+        <p:nvPr/>
+      </p:nvGrpSpPr>
+      <p:grpSpPr>
+        <a:xfrm>
+          <a:off x="0" y="0"/>
+          <a:ext cx="0" cy="0"/>
+          <a:chOff x="0" y="0"/>
+          <a:chExt cx="0" cy="0"/>
+        </a:xfrm>
+      </p:grpSpPr>
+      <p:pic>
+        <p:nvPicPr>
+          <p:cNvPr id="4" name="Picture 3"/>
+          <p:cNvPicPr>
+            <a:picLocks noChangeAspect="1"/>
+          </p:cNvPicPr>
+          <p:nvPr/>
+        </p:nvPicPr>
+        <p:blipFill>
+          <a:blip r:embed="rId2"/>
+          <a:stretch>
+            <a:fillRect/>
+          </a:stretch>
+        </p:blipFill>
+        <p:spPr>
+          <a:xfrm>
+            <a:off x="0" y="0"/>
+            <a:ext cx="10496550" cy="5105400"/>
+          </a:xfrm>
+          <a:prstGeom prst="rect">
+            <a:avLst/>
+          </a:prstGeom>
+        </p:spPr>
+      </p:pic>
+      <p:sp>
+        <p:nvSpPr>
+          <p:cNvPr id="5" name="TextBox 4"/>
+          <p:cNvSpPr txBox="1"/>
+          <p:nvPr/>
+        </p:nvSpPr>
+        <p:spPr>
+          <a:xfrm>
+            <a:off x="0" y="5266944"/>
+            <a:ext cx="11942064" cy="369332"/>
+          </a:xfrm>
+          <a:prstGeom prst="rect">
+            <a:avLst/>
+          </a:prstGeom>
+          <a:noFill/>
+        </p:spPr>
+        <p:txBody>
+          <a:bodyPr wrap="square" rtlCol="0">
+            <a:spAutoFit/>
+          </a:bodyPr>
+          <a:lstStyle/>
+          <a:p>
+            <a:r>
+              <a:rPr lang="en-US" dirty="0" err="1" smtClean="0"/>
+              <a:t>Công</a:t>
+            </a:r>
+            <a:r>
+              <a:rPr lang="en-US" dirty="0" smtClean="0"/>
+              <a:t> </a:t>
+            </a:r>
+            <a:r>
+              <a:rPr lang="en-US" dirty="0" err="1" smtClean="0"/>
+              <a:t>thức</a:t>
+            </a:r>
+            <a:r>
+              <a:rPr lang="en-US" dirty="0" smtClean="0"/>
+              <a:t> : </a:t>
+            </a:r>
+            <a:endParaRPr lang="en-US" dirty="0"/>
+          </a:p>
+        </p:txBody>
+      </p:sp>
+      <p:pic>
+        <p:nvPicPr>
+          <p:cNvPr id="2050" name="Picture 2" descr="\begin{bmatrix} t_i x'_i \\ t_i y'_i \\ t_i \end{bmatrix} = \texttt{map\_matrix} \cdot \begin{bmatrix} x_i \\ y_i \\ 1 \end{bmatrix}"/>
+          <p:cNvPicPr>
+            <a:picLocks noChangeAspect="1" noChangeArrowheads="1"/>
+          </p:cNvPicPr>
+          <p:nvPr/>
+        </p:nvPicPr>
+        <p:blipFill>
+          <a:blip r:embed="rId3">
+            <a:extLst>
+              <a:ext uri="{28A0092B-C50C-407E-A947-70E740481C1C}">
+                <a14:useLocalDpi xmlns:a14="http://schemas.microsoft.com/office/drawing/2010/main" val="0"/>
+              </a:ext>
+            </a:extLst>
+          </a:blip>
+          <a:srcRect/>
+          <a:stretch>
+            <a:fillRect/>
+          </a:stretch>
+        </p:blipFill>
+        <p:spPr bwMode="auto">
+          <a:xfrm>
+            <a:off x="1609471" y="5266944"/>
+            <a:ext cx="2019300" cy="638175"/>
+          </a:xfrm>
+          <a:prstGeom prst="rect">
+            <a:avLst/>
+          </a:prstGeom>
+          <a:noFill/>
+          <a:extLst>
+            <a:ext uri="{909E8E84-426E-40DD-AFC4-6F175D3DCCD1}">
+              <a14:hiddenFill xmlns:a14="http://schemas.microsoft.com/office/drawing/2010/main">
+                <a:solidFill>
+                  <a:srgbClr val="FFFFFF"/>
+                </a:solidFill>
+              </a14:hiddenFill>
+            </a:ext>
+          </a:extLst>
+        </p:spPr>
+      </p:pic>
+    </p:spTree>
+    <p:extLst>
+      <p:ext uri="{BB962C8B-B14F-4D97-AF65-F5344CB8AC3E}">
+        <p14:creationId xmlns:p14="http://schemas.microsoft.com/office/powerpoint/2010/main" val="2608185444"/>
+      </p:ext>
+    </p:extLst>
+  </p:cSld>
+  <p:clrMapOvr>
+    <a:masterClrMapping/>
+  </p:clrMapOvr>
+</p:sld>
+</file>
+
+<file path=ppt/slides/slide15.xml><?xml version="1.0" encoding="utf-8"?>
+<p:sld xmlns:a="http://schemas.openxmlformats.org/drawingml/2006/main" xmlns:r="http://schemas.openxmlformats.org/officeDocument/2006/relationships" xmlns:p="http://schemas.openxmlformats.org/presentationml/2006/main">
+  <p:cSld>
+    <p:spTree>
+      <p:nvGrpSpPr>
+        <p:cNvPr id="1" name=""/>
+        <p:cNvGrpSpPr/>
+        <p:nvPr/>
+      </p:nvGrpSpPr>
+      <p:grpSpPr>
+        <a:xfrm>
+          <a:off x="0" y="0"/>
+          <a:ext cx="0" cy="0"/>
+          <a:chOff x="0" y="0"/>
+          <a:chExt cx="0" cy="0"/>
+        </a:xfrm>
+      </p:grpSpPr>
+      <p:pic>
+        <p:nvPicPr>
+          <p:cNvPr id="4" name="Picture 3"/>
+          <p:cNvPicPr>
+            <a:picLocks noChangeAspect="1"/>
+          </p:cNvPicPr>
+          <p:nvPr/>
+        </p:nvPicPr>
+        <p:blipFill>
+          <a:blip r:embed="rId2"/>
+          <a:stretch>
+            <a:fillRect/>
+          </a:stretch>
+        </p:blipFill>
+        <p:spPr>
+          <a:xfrm>
+            <a:off x="229552" y="98788"/>
+            <a:ext cx="10391775" cy="3333750"/>
+          </a:xfrm>
+          <a:prstGeom prst="rect">
+            <a:avLst/>
+          </a:prstGeom>
+        </p:spPr>
+      </p:pic>
+      <p:sp>
+        <p:nvSpPr>
+          <p:cNvPr id="5" name="TextBox 4"/>
+          <p:cNvSpPr txBox="1"/>
+          <p:nvPr/>
+        </p:nvSpPr>
+        <p:spPr>
+          <a:xfrm>
+            <a:off x="229552" y="3587931"/>
+            <a:ext cx="11605397" cy="369332"/>
+          </a:xfrm>
+          <a:prstGeom prst="rect">
+            <a:avLst/>
+          </a:prstGeom>
+          <a:noFill/>
+        </p:spPr>
+        <p:txBody>
+          <a:bodyPr wrap="square" rtlCol="0">
+            <a:spAutoFit/>
+          </a:bodyPr>
+          <a:lstStyle/>
+          <a:p>
+            <a:r>
+              <a:rPr lang="en-US" dirty="0" smtClean="0"/>
+              <a:t>- </a:t>
+            </a:r>
+            <a:r>
+              <a:rPr lang="en-US" dirty="0" err="1" smtClean="0"/>
+              <a:t>Hàm</a:t>
+            </a:r>
+            <a:r>
+              <a:rPr lang="en-US" dirty="0" smtClean="0"/>
+              <a:t> </a:t>
+            </a:r>
+            <a:r>
+              <a:rPr lang="en-US" dirty="0" err="1" smtClean="0"/>
+              <a:t>này</a:t>
+            </a:r>
+            <a:r>
+              <a:rPr lang="en-US" dirty="0" smtClean="0"/>
+              <a:t> </a:t>
+            </a:r>
+            <a:r>
+              <a:rPr lang="en-US" dirty="0" err="1" smtClean="0"/>
+              <a:t>để</a:t>
+            </a:r>
+            <a:r>
+              <a:rPr lang="en-US" dirty="0" smtClean="0"/>
+              <a:t> </a:t>
+            </a:r>
+            <a:r>
+              <a:rPr lang="en-US" dirty="0" err="1" smtClean="0"/>
+              <a:t>mở</a:t>
+            </a:r>
+            <a:r>
+              <a:rPr lang="en-US" dirty="0" smtClean="0"/>
+              <a:t> file train.txt </a:t>
+            </a:r>
+            <a:r>
+              <a:rPr lang="en-US" dirty="0" err="1" smtClean="0"/>
+              <a:t>và</a:t>
+            </a:r>
+            <a:r>
+              <a:rPr lang="en-US" dirty="0" smtClean="0"/>
+              <a:t> test.txt </a:t>
+            </a:r>
+            <a:r>
+              <a:rPr lang="en-US" dirty="0" err="1" smtClean="0"/>
+              <a:t>để</a:t>
+            </a:r>
+            <a:r>
+              <a:rPr lang="en-US" dirty="0" smtClean="0"/>
+              <a:t> load </a:t>
+            </a:r>
+            <a:r>
+              <a:rPr lang="en-US" dirty="0" err="1" smtClean="0"/>
+              <a:t>từng</a:t>
+            </a:r>
+            <a:r>
+              <a:rPr lang="en-US" dirty="0" smtClean="0"/>
+              <a:t> </a:t>
+            </a:r>
+            <a:r>
+              <a:rPr lang="en-US" dirty="0" err="1" smtClean="0"/>
+              <a:t>ảnh</a:t>
+            </a:r>
+            <a:r>
+              <a:rPr lang="en-US" dirty="0" smtClean="0"/>
+              <a:t> </a:t>
+            </a:r>
+            <a:r>
+              <a:rPr lang="en-US" dirty="0" err="1" smtClean="0"/>
+              <a:t>vào</a:t>
+            </a:r>
+            <a:r>
+              <a:rPr lang="en-US" dirty="0" smtClean="0"/>
+              <a:t> </a:t>
+            </a:r>
+            <a:r>
+              <a:rPr lang="en-US" dirty="0" err="1" smtClean="0"/>
+              <a:t>và</a:t>
+            </a:r>
+            <a:r>
+              <a:rPr lang="en-US" dirty="0" smtClean="0"/>
+              <a:t> </a:t>
+            </a:r>
+            <a:r>
+              <a:rPr lang="en-US" dirty="0" err="1" smtClean="0"/>
+              <a:t>lấy</a:t>
+            </a:r>
+            <a:r>
+              <a:rPr lang="en-US" dirty="0" smtClean="0"/>
+              <a:t> label </a:t>
+            </a:r>
+            <a:r>
+              <a:rPr lang="en-US" dirty="0" err="1" smtClean="0"/>
+              <a:t>là</a:t>
+            </a:r>
+            <a:r>
+              <a:rPr lang="en-US" dirty="0" smtClean="0"/>
+              <a:t> </a:t>
+            </a:r>
+            <a:r>
+              <a:rPr lang="en-US" dirty="0" err="1" smtClean="0"/>
+              <a:t>tên</a:t>
+            </a:r>
+            <a:r>
+              <a:rPr lang="en-US" dirty="0" smtClean="0"/>
+              <a:t> </a:t>
+            </a:r>
+            <a:r>
+              <a:rPr lang="en-US" dirty="0" err="1" smtClean="0"/>
+              <a:t>thư</a:t>
+            </a:r>
+            <a:r>
+              <a:rPr lang="en-US" dirty="0" smtClean="0"/>
+              <a:t> </a:t>
+            </a:r>
+            <a:r>
+              <a:rPr lang="en-US" dirty="0" err="1" smtClean="0"/>
+              <a:t>mục</a:t>
+            </a:r>
+            <a:endParaRPr lang="en-US" dirty="0"/>
+          </a:p>
+        </p:txBody>
+      </p:sp>
+    </p:spTree>
+    <p:extLst>
+      <p:ext uri="{BB962C8B-B14F-4D97-AF65-F5344CB8AC3E}">
+        <p14:creationId xmlns:p14="http://schemas.microsoft.com/office/powerpoint/2010/main" val="2516498758"/>
+      </p:ext>
+    </p:extLst>
+  </p:cSld>
+  <p:clrMapOvr>
+    <a:masterClrMapping/>
+  </p:clrMapOvr>
+</p:sld>
+</file>
+
+<file path=ppt/slides/slide16.xml><?xml version="1.0" encoding="utf-8"?>
+<p:sld xmlns:a="http://schemas.openxmlformats.org/drawingml/2006/main" xmlns:r="http://schemas.openxmlformats.org/officeDocument/2006/relationships" xmlns:p="http://schemas.openxmlformats.org/presentationml/2006/main">
+  <p:cSld>
+    <p:spTree>
+      <p:nvGrpSpPr>
+        <p:cNvPr id="1" name=""/>
+        <p:cNvGrpSpPr/>
+        <p:nvPr/>
+      </p:nvGrpSpPr>
+      <p:grpSpPr>
+        <a:xfrm>
+          <a:off x="0" y="0"/>
+          <a:ext cx="0" cy="0"/>
+          <a:chOff x="0" y="0"/>
+          <a:chExt cx="0" cy="0"/>
+        </a:xfrm>
+      </p:grpSpPr>
+      <p:pic>
+        <p:nvPicPr>
+          <p:cNvPr id="5" name="Picture 4"/>
+          <p:cNvPicPr>
+            <a:picLocks noChangeAspect="1"/>
+          </p:cNvPicPr>
+          <p:nvPr/>
+        </p:nvPicPr>
+        <p:blipFill>
+          <a:blip r:embed="rId2"/>
+          <a:stretch>
+            <a:fillRect/>
+          </a:stretch>
+        </p:blipFill>
+        <p:spPr>
+          <a:xfrm>
+            <a:off x="0" y="0"/>
+            <a:ext cx="10620375" cy="2924175"/>
+          </a:xfrm>
+          <a:prstGeom prst="rect">
+            <a:avLst/>
+          </a:prstGeom>
+        </p:spPr>
+      </p:pic>
+      <p:sp>
+        <p:nvSpPr>
+          <p:cNvPr id="6" name="TextBox 5"/>
+          <p:cNvSpPr txBox="1"/>
+          <p:nvPr/>
+        </p:nvSpPr>
+        <p:spPr>
+          <a:xfrm>
+            <a:off x="113211" y="3126377"/>
+            <a:ext cx="11643360" cy="646331"/>
+          </a:xfrm>
+          <a:prstGeom prst="rect">
+            <a:avLst/>
+          </a:prstGeom>
+          <a:noFill/>
+        </p:spPr>
+        <p:txBody>
+          <a:bodyPr wrap="square" rtlCol="0">
+            <a:spAutoFit/>
+          </a:bodyPr>
+          <a:lstStyle/>
+          <a:p>
+            <a:pPr marL="285750" indent="-285750">
+              <a:buFontTx/>
+              <a:buChar char="-"/>
+            </a:pPr>
+            <a:r>
+              <a:rPr lang="en-US" dirty="0" err="1" smtClean="0"/>
+              <a:t>save_model</a:t>
+            </a:r>
+            <a:r>
+              <a:rPr lang="en-US" dirty="0" smtClean="0"/>
+              <a:t>: </a:t>
+            </a:r>
+            <a:r>
+              <a:rPr lang="en-US" dirty="0" err="1" smtClean="0"/>
+              <a:t>lưu</a:t>
+            </a:r>
+            <a:r>
+              <a:rPr lang="en-US" dirty="0" smtClean="0"/>
+              <a:t> weight </a:t>
+            </a:r>
+            <a:r>
+              <a:rPr lang="en-US" dirty="0" err="1" smtClean="0"/>
+              <a:t>vào</a:t>
+            </a:r>
+            <a:r>
+              <a:rPr lang="en-US" dirty="0" smtClean="0"/>
+              <a:t> file .</a:t>
+            </a:r>
+            <a:r>
+              <a:rPr lang="en-US" dirty="0" err="1" smtClean="0"/>
+              <a:t>joblib</a:t>
+            </a:r>
+            <a:endParaRPr lang="en-US" dirty="0" smtClean="0"/>
+          </a:p>
+          <a:p>
+            <a:pPr marL="285750" indent="-285750">
+              <a:buFontTx/>
+              <a:buChar char="-"/>
+            </a:pPr>
+            <a:r>
+              <a:rPr lang="en-US" dirty="0" err="1" smtClean="0"/>
+              <a:t>Linear_svm</a:t>
+            </a:r>
+            <a:r>
+              <a:rPr lang="en-US" dirty="0" smtClean="0"/>
+              <a:t>: model </a:t>
+            </a:r>
+            <a:r>
+              <a:rPr lang="en-US" dirty="0" err="1" smtClean="0"/>
+              <a:t>dùng</a:t>
+            </a:r>
+            <a:r>
+              <a:rPr lang="en-US" dirty="0" smtClean="0"/>
+              <a:t> </a:t>
+            </a:r>
+            <a:r>
+              <a:rPr lang="en-US" dirty="0" err="1" smtClean="0"/>
+              <a:t>để</a:t>
+            </a:r>
+            <a:r>
+              <a:rPr lang="en-US" dirty="0" smtClean="0"/>
+              <a:t> train</a:t>
+            </a:r>
+            <a:endParaRPr lang="en-US" dirty="0"/>
+          </a:p>
+        </p:txBody>
+      </p:sp>
+    </p:spTree>
+    <p:extLst>
+      <p:ext uri="{BB962C8B-B14F-4D97-AF65-F5344CB8AC3E}">
+        <p14:creationId xmlns:p14="http://schemas.microsoft.com/office/powerpoint/2010/main" val="3649782379"/>
+      </p:ext>
+    </p:extLst>
+  </p:cSld>
+  <p:clrMapOvr>
+    <a:masterClrMapping/>
+  </p:clrMapOvr>
+</p:sld>
+</file>
+
+<file path=ppt/slides/slide17.xml><?xml version="1.0" encoding="utf-8"?>
+<p:sld xmlns:a="http://schemas.openxmlformats.org/drawingml/2006/main" xmlns:r="http://schemas.openxmlformats.org/officeDocument/2006/relationships" xmlns:p="http://schemas.openxmlformats.org/presentationml/2006/main">
+  <p:cSld>
+    <p:spTree>
+      <p:nvGrpSpPr>
+        <p:cNvPr id="1" name=""/>
+        <p:cNvGrpSpPr/>
+        <p:nvPr/>
+      </p:nvGrpSpPr>
+      <p:grpSpPr>
+        <a:xfrm>
+          <a:off x="0" y="0"/>
+          <a:ext cx="0" cy="0"/>
+          <a:chOff x="0" y="0"/>
+          <a:chExt cx="0" cy="0"/>
+        </a:xfrm>
+      </p:grpSpPr>
+      <p:pic>
+        <p:nvPicPr>
+          <p:cNvPr id="4" name="Picture 3"/>
+          <p:cNvPicPr>
+            <a:picLocks noChangeAspect="1"/>
+          </p:cNvPicPr>
+          <p:nvPr/>
+        </p:nvPicPr>
+        <p:blipFill>
+          <a:blip r:embed="rId2"/>
+          <a:stretch>
+            <a:fillRect/>
+          </a:stretch>
+        </p:blipFill>
+        <p:spPr>
+          <a:xfrm>
+            <a:off x="0" y="0"/>
+            <a:ext cx="10763250" cy="2895600"/>
+          </a:xfrm>
+          <a:prstGeom prst="rect">
+            <a:avLst/>
+          </a:prstGeom>
+        </p:spPr>
+      </p:pic>
+      <p:sp>
+        <p:nvSpPr>
+          <p:cNvPr id="5" name="TextBox 4"/>
+          <p:cNvSpPr txBox="1"/>
+          <p:nvPr/>
+        </p:nvSpPr>
+        <p:spPr>
+          <a:xfrm>
+            <a:off x="278674" y="3161211"/>
+            <a:ext cx="11355977" cy="369332"/>
+          </a:xfrm>
+          <a:prstGeom prst="rect">
+            <a:avLst/>
+          </a:prstGeom>
+          <a:noFill/>
+        </p:spPr>
+        <p:txBody>
+          <a:bodyPr wrap="square" rtlCol="0">
+            <a:spAutoFit/>
+          </a:bodyPr>
+          <a:lstStyle/>
+          <a:p>
+            <a:r>
+              <a:rPr lang="en-US" dirty="0" smtClean="0"/>
+              <a:t>- </a:t>
+            </a:r>
+            <a:r>
+              <a:rPr lang="en-US" dirty="0" err="1" smtClean="0"/>
+              <a:t>Gọi</a:t>
+            </a:r>
+            <a:r>
+              <a:rPr lang="en-US" dirty="0" smtClean="0"/>
+              <a:t> </a:t>
+            </a:r>
+            <a:r>
+              <a:rPr lang="en-US" dirty="0" err="1" smtClean="0"/>
+              <a:t>những</a:t>
+            </a:r>
+            <a:r>
+              <a:rPr lang="en-US" dirty="0" smtClean="0"/>
+              <a:t> </a:t>
+            </a:r>
+            <a:r>
+              <a:rPr lang="en-US" dirty="0" err="1" smtClean="0"/>
+              <a:t>hàm</a:t>
+            </a:r>
+            <a:r>
+              <a:rPr lang="en-US" dirty="0" smtClean="0"/>
+              <a:t> </a:t>
+            </a:r>
+            <a:r>
+              <a:rPr lang="en-US" dirty="0" err="1" smtClean="0"/>
+              <a:t>trên</a:t>
+            </a:r>
+            <a:endParaRPr lang="en-US" dirty="0"/>
+          </a:p>
+        </p:txBody>
+      </p:sp>
+    </p:spTree>
+    <p:extLst>
+      <p:ext uri="{BB962C8B-B14F-4D97-AF65-F5344CB8AC3E}">
+        <p14:creationId xmlns:p14="http://schemas.microsoft.com/office/powerpoint/2010/main" val="1561260414"/>
+      </p:ext>
+    </p:extLst>
+  </p:cSld>
+  <p:clrMapOvr>
+    <a:masterClrMapping/>
+  </p:clrMapOvr>
+</p:sld>
+</file>
+
+<file path=ppt/slides/slide18.xml><?xml version="1.0" encoding="utf-8"?>
+<p:sld xmlns:a="http://schemas.openxmlformats.org/drawingml/2006/main" xmlns:r="http://schemas.openxmlformats.org/officeDocument/2006/relationships" xmlns:p="http://schemas.openxmlformats.org/presentationml/2006/main">
+  <p:cSld>
+    <p:spTree>
+      <p:nvGrpSpPr>
+        <p:cNvPr id="1" name=""/>
+        <p:cNvGrpSpPr/>
+        <p:nvPr/>
+      </p:nvGrpSpPr>
+      <p:grpSpPr>
+        <a:xfrm>
+          <a:off x="0" y="0"/>
+          <a:ext cx="0" cy="0"/>
+          <a:chOff x="0" y="0"/>
+          <a:chExt cx="0" cy="0"/>
+        </a:xfrm>
+      </p:grpSpPr>
+      <p:pic>
+        <p:nvPicPr>
+          <p:cNvPr id="4" name="Picture 3"/>
+          <p:cNvPicPr>
+            <a:picLocks noChangeAspect="1"/>
+          </p:cNvPicPr>
+          <p:nvPr/>
+        </p:nvPicPr>
+        <p:blipFill>
+          <a:blip r:embed="rId2"/>
+          <a:stretch>
+            <a:fillRect/>
+          </a:stretch>
+        </p:blipFill>
+        <p:spPr>
+          <a:xfrm>
+            <a:off x="0" y="109265"/>
+            <a:ext cx="10496550" cy="1362075"/>
+          </a:xfrm>
+          <a:prstGeom prst="rect">
+            <a:avLst/>
+          </a:prstGeom>
+        </p:spPr>
+      </p:pic>
+      <p:sp>
+        <p:nvSpPr>
+          <p:cNvPr id="5" name="TextBox 4"/>
+          <p:cNvSpPr txBox="1"/>
+          <p:nvPr/>
+        </p:nvSpPr>
+        <p:spPr>
+          <a:xfrm>
+            <a:off x="287383" y="1698171"/>
+            <a:ext cx="11617234" cy="923330"/>
+          </a:xfrm>
+          <a:prstGeom prst="rect">
+            <a:avLst/>
+          </a:prstGeom>
+          <a:noFill/>
+        </p:spPr>
+        <p:txBody>
+          <a:bodyPr wrap="square" rtlCol="0">
+            <a:spAutoFit/>
+          </a:bodyPr>
+          <a:lstStyle/>
+          <a:p>
+            <a:pPr marL="285750" indent="-285750">
+              <a:buFontTx/>
+              <a:buChar char="-"/>
+            </a:pPr>
+            <a:r>
+              <a:rPr lang="en-US" dirty="0" err="1" smtClean="0"/>
+              <a:t>Lấy</a:t>
+            </a:r>
+            <a:r>
+              <a:rPr lang="en-US" dirty="0" smtClean="0"/>
+              <a:t> weight </a:t>
+            </a:r>
+            <a:r>
+              <a:rPr lang="en-US" dirty="0" err="1" smtClean="0"/>
+              <a:t>khuôn</a:t>
+            </a:r>
+            <a:r>
+              <a:rPr lang="en-US" dirty="0" smtClean="0"/>
+              <a:t> </a:t>
+            </a:r>
+            <a:r>
+              <a:rPr lang="en-US" dirty="0" err="1" smtClean="0"/>
+              <a:t>mặt</a:t>
+            </a:r>
+            <a:r>
+              <a:rPr lang="en-US" dirty="0" smtClean="0"/>
+              <a:t> (68_face …)</a:t>
+            </a:r>
+          </a:p>
+          <a:p>
+            <a:pPr marL="285750" indent="-285750">
+              <a:buFontTx/>
+              <a:buChar char="-"/>
+            </a:pPr>
+            <a:r>
+              <a:rPr lang="en-US" dirty="0" err="1" smtClean="0"/>
+              <a:t>Lấy</a:t>
+            </a:r>
+            <a:r>
+              <a:rPr lang="en-US" dirty="0" smtClean="0"/>
+              <a:t> weight </a:t>
+            </a:r>
+            <a:r>
+              <a:rPr lang="en-US" dirty="0" err="1" smtClean="0"/>
+              <a:t>của</a:t>
+            </a:r>
+            <a:r>
+              <a:rPr lang="en-US" dirty="0" smtClean="0"/>
+              <a:t> facial landmark </a:t>
+            </a:r>
+            <a:r>
+              <a:rPr lang="en-US" dirty="0" err="1" smtClean="0"/>
+              <a:t>trên</a:t>
+            </a:r>
+            <a:r>
+              <a:rPr lang="en-US" dirty="0" smtClean="0"/>
+              <a:t> </a:t>
+            </a:r>
+            <a:r>
+              <a:rPr lang="en-US" dirty="0" err="1" smtClean="0"/>
+              <a:t>khuôn</a:t>
+            </a:r>
+            <a:r>
+              <a:rPr lang="en-US" dirty="0" smtClean="0"/>
+              <a:t> </a:t>
+            </a:r>
+            <a:r>
+              <a:rPr lang="en-US" dirty="0" err="1" smtClean="0"/>
+              <a:t>mặt</a:t>
+            </a:r>
+            <a:r>
+              <a:rPr lang="en-US" dirty="0" smtClean="0"/>
+              <a:t> (</a:t>
+            </a:r>
+            <a:r>
+              <a:rPr lang="en-US" dirty="0" err="1" smtClean="0"/>
+              <a:t>shape_predictor</a:t>
+            </a:r>
+            <a:r>
+              <a:rPr lang="en-US" dirty="0" smtClean="0"/>
+              <a:t>)</a:t>
+            </a:r>
+          </a:p>
+          <a:p>
+            <a:pPr marL="285750" indent="-285750">
+              <a:buFontTx/>
+              <a:buChar char="-"/>
+            </a:pPr>
+            <a:r>
+              <a:rPr lang="en-US" dirty="0" err="1" smtClean="0"/>
+              <a:t>Lấy</a:t>
+            </a:r>
+            <a:r>
+              <a:rPr lang="en-US" dirty="0" smtClean="0"/>
+              <a:t> weight encode </a:t>
+            </a:r>
+            <a:r>
+              <a:rPr lang="en-US" dirty="0" err="1" smtClean="0"/>
+              <a:t>cho</a:t>
+            </a:r>
+            <a:r>
+              <a:rPr lang="en-US" dirty="0" smtClean="0"/>
+              <a:t> </a:t>
+            </a:r>
+            <a:r>
+              <a:rPr lang="en-US" dirty="0" err="1" smtClean="0"/>
+              <a:t>khuôn</a:t>
+            </a:r>
+            <a:r>
+              <a:rPr lang="en-US" dirty="0" smtClean="0"/>
+              <a:t> </a:t>
+            </a:r>
+            <a:r>
+              <a:rPr lang="en-US" dirty="0" err="1" smtClean="0"/>
+              <a:t>mặt</a:t>
+            </a:r>
+            <a:r>
+              <a:rPr lang="en-US" dirty="0" smtClean="0"/>
+              <a:t> </a:t>
+            </a:r>
+            <a:r>
+              <a:rPr lang="en-US" dirty="0" err="1" smtClean="0"/>
+              <a:t>để</a:t>
+            </a:r>
+            <a:r>
+              <a:rPr lang="en-US" dirty="0" smtClean="0"/>
+              <a:t> </a:t>
+            </a:r>
+            <a:r>
+              <a:rPr lang="en-US" dirty="0" err="1" smtClean="0"/>
+              <a:t>đưa</a:t>
+            </a:r>
+            <a:r>
+              <a:rPr lang="en-US" dirty="0" smtClean="0"/>
+              <a:t> </a:t>
+            </a:r>
+            <a:r>
+              <a:rPr lang="en-US" dirty="0" err="1" smtClean="0"/>
+              <a:t>vào</a:t>
+            </a:r>
+            <a:r>
+              <a:rPr lang="en-US" dirty="0" smtClean="0"/>
+              <a:t> </a:t>
+            </a:r>
+            <a:r>
+              <a:rPr lang="en-US" dirty="0" err="1" smtClean="0"/>
+              <a:t>dự</a:t>
+            </a:r>
+            <a:r>
+              <a:rPr lang="en-US" dirty="0" smtClean="0"/>
+              <a:t> </a:t>
+            </a:r>
+            <a:r>
+              <a:rPr lang="en-US" dirty="0" err="1" smtClean="0"/>
+              <a:t>đoán</a:t>
+            </a:r>
+            <a:r>
+              <a:rPr lang="en-US" dirty="0" smtClean="0"/>
+              <a:t> (</a:t>
+            </a:r>
+            <a:r>
+              <a:rPr lang="en-US" dirty="0" err="1" smtClean="0"/>
+              <a:t>dlib_face</a:t>
+            </a:r>
+            <a:r>
+              <a:rPr lang="en-US" dirty="0" smtClean="0"/>
+              <a:t>….) </a:t>
+            </a:r>
+            <a:endParaRPr lang="en-US" dirty="0"/>
+          </a:p>
+        </p:txBody>
+      </p:sp>
+    </p:spTree>
+    <p:extLst>
+      <p:ext uri="{BB962C8B-B14F-4D97-AF65-F5344CB8AC3E}">
+        <p14:creationId xmlns:p14="http://schemas.microsoft.com/office/powerpoint/2010/main" val="4054795692"/>
+      </p:ext>
+    </p:extLst>
+  </p:cSld>
+  <p:clrMapOvr>
+    <a:masterClrMapping/>
+  </p:clrMapOvr>
+</p:sld>
+</file>
+
+<file path=ppt/slides/slide19.xml><?xml version="1.0" encoding="utf-8"?>
+<p:sld xmlns:a="http://schemas.openxmlformats.org/drawingml/2006/main" xmlns:r="http://schemas.openxmlformats.org/officeDocument/2006/relationships" xmlns:p="http://schemas.openxmlformats.org/presentationml/2006/main">
+  <p:cSld>
+    <p:spTree>
+      <p:nvGrpSpPr>
+        <p:cNvPr id="1" name=""/>
+        <p:cNvGrpSpPr/>
+        <p:nvPr/>
+      </p:nvGrpSpPr>
+      <p:grpSpPr>
+        <a:xfrm>
+          <a:off x="0" y="0"/>
+          <a:ext cx="0" cy="0"/>
+          <a:chOff x="0" y="0"/>
+          <a:chExt cx="0" cy="0"/>
+        </a:xfrm>
+      </p:grpSpPr>
+      <p:pic>
+        <p:nvPicPr>
+          <p:cNvPr id="4" name="Picture 3"/>
+          <p:cNvPicPr>
+            <a:picLocks noChangeAspect="1"/>
+          </p:cNvPicPr>
+          <p:nvPr/>
+        </p:nvPicPr>
+        <p:blipFill>
+          <a:blip r:embed="rId2"/>
+          <a:stretch>
+            <a:fillRect/>
+          </a:stretch>
+        </p:blipFill>
+        <p:spPr>
+          <a:xfrm>
+            <a:off x="160565" y="0"/>
+            <a:ext cx="10477500" cy="1590675"/>
+          </a:xfrm>
+          <a:prstGeom prst="rect">
+            <a:avLst/>
+          </a:prstGeom>
+        </p:spPr>
+      </p:pic>
+      <p:sp>
+        <p:nvSpPr>
+          <p:cNvPr id="5" name="TextBox 4"/>
+          <p:cNvSpPr txBox="1"/>
+          <p:nvPr/>
+        </p:nvSpPr>
+        <p:spPr>
+          <a:xfrm>
+            <a:off x="174171" y="1724297"/>
+            <a:ext cx="11051178" cy="369332"/>
+          </a:xfrm>
+          <a:prstGeom prst="rect">
+            <a:avLst/>
+          </a:prstGeom>
+          <a:noFill/>
+        </p:spPr>
+        <p:txBody>
+          <a:bodyPr wrap="square" rtlCol="0">
+            <a:spAutoFit/>
+          </a:bodyPr>
+          <a:lstStyle/>
+          <a:p>
+            <a:r>
+              <a:rPr lang="en-US" dirty="0" err="1" smtClean="0"/>
+              <a:t>Lấy</a:t>
+            </a:r>
+            <a:r>
+              <a:rPr lang="en-US" dirty="0" smtClean="0"/>
+              <a:t> 4 </a:t>
+            </a:r>
+            <a:r>
+              <a:rPr lang="en-US" dirty="0" err="1" smtClean="0"/>
+              <a:t>điểm</a:t>
+            </a:r>
+            <a:r>
+              <a:rPr lang="en-US" dirty="0" smtClean="0"/>
+              <a:t> </a:t>
+            </a:r>
+            <a:r>
+              <a:rPr lang="en-US" dirty="0" err="1" smtClean="0"/>
+              <a:t>của</a:t>
+            </a:r>
+            <a:r>
+              <a:rPr lang="en-US" dirty="0" smtClean="0"/>
+              <a:t> </a:t>
+            </a:r>
+            <a:r>
+              <a:rPr lang="en-US" dirty="0" err="1" smtClean="0"/>
+              <a:t>hình</a:t>
+            </a:r>
+            <a:r>
+              <a:rPr lang="en-US" dirty="0" smtClean="0"/>
+              <a:t> </a:t>
+            </a:r>
+            <a:r>
+              <a:rPr lang="en-US" dirty="0" err="1" smtClean="0"/>
+              <a:t>chữ</a:t>
+            </a:r>
+            <a:r>
+              <a:rPr lang="en-US" dirty="0" smtClean="0"/>
+              <a:t> </a:t>
+            </a:r>
+            <a:r>
+              <a:rPr lang="en-US" dirty="0" err="1" smtClean="0"/>
+              <a:t>nhật</a:t>
+            </a:r>
+            <a:endParaRPr lang="en-US" dirty="0"/>
+          </a:p>
+        </p:txBody>
+      </p:sp>
+      <p:pic>
+        <p:nvPicPr>
+          <p:cNvPr id="6" name="Picture 5"/>
+          <p:cNvPicPr>
+            <a:picLocks noChangeAspect="1"/>
+          </p:cNvPicPr>
+          <p:nvPr/>
+        </p:nvPicPr>
+        <p:blipFill>
+          <a:blip r:embed="rId3"/>
+          <a:stretch>
+            <a:fillRect/>
+          </a:stretch>
+        </p:blipFill>
+        <p:spPr>
+          <a:xfrm>
+            <a:off x="0" y="2227251"/>
+            <a:ext cx="11058525" cy="3371850"/>
+          </a:xfrm>
+          <a:prstGeom prst="rect">
+            <a:avLst/>
+          </a:prstGeom>
+        </p:spPr>
+      </p:pic>
+      <p:sp>
+        <p:nvSpPr>
+          <p:cNvPr id="7" name="TextBox 6"/>
+          <p:cNvSpPr txBox="1"/>
+          <p:nvPr/>
+        </p:nvSpPr>
+        <p:spPr>
+          <a:xfrm>
+            <a:off x="95794" y="5704114"/>
+            <a:ext cx="11956869" cy="646331"/>
+          </a:xfrm>
+          <a:prstGeom prst="rect">
+            <a:avLst/>
+          </a:prstGeom>
+          <a:noFill/>
+        </p:spPr>
+        <p:txBody>
+          <a:bodyPr wrap="square" rtlCol="0">
+            <a:spAutoFit/>
+          </a:bodyPr>
+          <a:lstStyle/>
+          <a:p>
+            <a:r>
+              <a:rPr lang="en-US" dirty="0" err="1" smtClean="0"/>
+              <a:t>Xác</a:t>
+            </a:r>
+            <a:r>
+              <a:rPr lang="en-US" dirty="0" smtClean="0"/>
+              <a:t> </a:t>
+            </a:r>
+            <a:r>
+              <a:rPr lang="en-US" dirty="0" err="1" smtClean="0"/>
+              <a:t>định</a:t>
+            </a:r>
+            <a:r>
+              <a:rPr lang="en-US" dirty="0" smtClean="0"/>
+              <a:t> </a:t>
+            </a:r>
+            <a:r>
+              <a:rPr lang="en-US" dirty="0" err="1" smtClean="0"/>
+              <a:t>khuôn</a:t>
+            </a:r>
+            <a:r>
+              <a:rPr lang="en-US" dirty="0" smtClean="0"/>
+              <a:t> </a:t>
+            </a:r>
+            <a:r>
+              <a:rPr lang="en-US" dirty="0" err="1" smtClean="0"/>
+              <a:t>mặt</a:t>
+            </a:r>
+            <a:endParaRPr lang="en-US" dirty="0" smtClean="0"/>
+          </a:p>
+          <a:p>
+            <a:r>
+              <a:rPr lang="en-US" dirty="0" err="1" smtClean="0"/>
+              <a:t>Lấy</a:t>
+            </a:r>
+            <a:r>
+              <a:rPr lang="en-US" dirty="0" smtClean="0"/>
+              <a:t> facial landmark</a:t>
+            </a:r>
+            <a:endParaRPr lang="en-US" dirty="0"/>
+          </a:p>
+        </p:txBody>
+      </p:sp>
+    </p:spTree>
+    <p:extLst>
+      <p:ext uri="{BB962C8B-B14F-4D97-AF65-F5344CB8AC3E}">
+        <p14:creationId xmlns:p14="http://schemas.microsoft.com/office/powerpoint/2010/main" val="1626758418"/>
+      </p:ext>
+    </p:extLst>
+  </p:cSld>
+  <p:clrMapOvr>
+    <a:masterClrMapping/>
+  </p:clrMapOvr>
+</p:sld>
+</file>
+
 <file path=ppt/slides/slide2.xml><?xml version="1.0" encoding="utf-8"?>
 <p:sld xmlns:a="http://schemas.openxmlformats.org/drawingml/2006/main" xmlns:r="http://schemas.openxmlformats.org/officeDocument/2006/relationships" xmlns:p="http://schemas.openxmlformats.org/presentationml/2006/main">
   <p:cSld>
@@ -5121,6 +6998,355 @@
     <p:extLst>
       <p:ext uri="{BB962C8B-B14F-4D97-AF65-F5344CB8AC3E}">
         <p14:creationId xmlns:p14="http://schemas.microsoft.com/office/powerpoint/2010/main" val="2038333413"/>
+      </p:ext>
+    </p:extLst>
+  </p:cSld>
+  <p:clrMapOvr>
+    <a:masterClrMapping/>
+  </p:clrMapOvr>
+</p:sld>
+</file>
+
+<file path=ppt/slides/slide20.xml><?xml version="1.0" encoding="utf-8"?>
+<p:sld xmlns:a="http://schemas.openxmlformats.org/drawingml/2006/main" xmlns:r="http://schemas.openxmlformats.org/officeDocument/2006/relationships" xmlns:p="http://schemas.openxmlformats.org/presentationml/2006/main">
+  <p:cSld>
+    <p:spTree>
+      <p:nvGrpSpPr>
+        <p:cNvPr id="1" name=""/>
+        <p:cNvGrpSpPr/>
+        <p:nvPr/>
+      </p:nvGrpSpPr>
+      <p:grpSpPr>
+        <a:xfrm>
+          <a:off x="0" y="0"/>
+          <a:ext cx="0" cy="0"/>
+          <a:chOff x="0" y="0"/>
+          <a:chExt cx="0" cy="0"/>
+        </a:xfrm>
+      </p:grpSpPr>
+      <p:pic>
+        <p:nvPicPr>
+          <p:cNvPr id="4" name="Picture 3"/>
+          <p:cNvPicPr>
+            <a:picLocks noChangeAspect="1"/>
+          </p:cNvPicPr>
+          <p:nvPr/>
+        </p:nvPicPr>
+        <p:blipFill>
+          <a:blip r:embed="rId2"/>
+          <a:stretch>
+            <a:fillRect/>
+          </a:stretch>
+        </p:blipFill>
+        <p:spPr>
+          <a:xfrm>
+            <a:off x="0" y="88446"/>
+            <a:ext cx="10525125" cy="3371850"/>
+          </a:xfrm>
+          <a:prstGeom prst="rect">
+            <a:avLst/>
+          </a:prstGeom>
+        </p:spPr>
+      </p:pic>
+      <p:sp>
+        <p:nvSpPr>
+          <p:cNvPr id="5" name="TextBox 4"/>
+          <p:cNvSpPr txBox="1"/>
+          <p:nvPr/>
+        </p:nvSpPr>
+        <p:spPr>
+          <a:xfrm>
+            <a:off x="130629" y="3727269"/>
+            <a:ext cx="11582400" cy="923330"/>
+          </a:xfrm>
+          <a:prstGeom prst="rect">
+            <a:avLst/>
+          </a:prstGeom>
+          <a:noFill/>
+        </p:spPr>
+        <p:txBody>
+          <a:bodyPr wrap="square" rtlCol="0">
+            <a:spAutoFit/>
+          </a:bodyPr>
+          <a:lstStyle/>
+          <a:p>
+            <a:pPr marL="285750" indent="-285750">
+              <a:buFontTx/>
+              <a:buChar char="-"/>
+            </a:pPr>
+            <a:r>
+              <a:rPr lang="en-US" dirty="0" err="1" smtClean="0"/>
+              <a:t>get_face_chip</a:t>
+            </a:r>
+            <a:r>
+              <a:rPr lang="en-US" dirty="0" smtClean="0"/>
+              <a:t> : </a:t>
+            </a:r>
+            <a:r>
+              <a:rPr lang="en-US" dirty="0" err="1" smtClean="0"/>
+              <a:t>để</a:t>
+            </a:r>
+            <a:r>
+              <a:rPr lang="en-US" dirty="0" smtClean="0"/>
+              <a:t> </a:t>
+            </a:r>
+            <a:r>
+              <a:rPr lang="en-US" dirty="0" err="1" smtClean="0"/>
+              <a:t>biến</a:t>
+            </a:r>
+            <a:r>
+              <a:rPr lang="en-US" dirty="0" smtClean="0"/>
+              <a:t> </a:t>
+            </a:r>
+            <a:r>
+              <a:rPr lang="en-US" dirty="0" err="1" smtClean="0"/>
+              <a:t>đổi</a:t>
+            </a:r>
+            <a:r>
+              <a:rPr lang="en-US" dirty="0" smtClean="0"/>
+              <a:t> </a:t>
+            </a:r>
+            <a:r>
+              <a:rPr lang="en-US" dirty="0" err="1" smtClean="0"/>
+              <a:t>khuôn</a:t>
+            </a:r>
+            <a:r>
+              <a:rPr lang="en-US" dirty="0" smtClean="0"/>
+              <a:t> </a:t>
+            </a:r>
+            <a:r>
+              <a:rPr lang="en-US" dirty="0" err="1" smtClean="0"/>
+              <a:t>mặt</a:t>
+            </a:r>
+            <a:r>
+              <a:rPr lang="en-US" dirty="0" smtClean="0"/>
+              <a:t> </a:t>
+            </a:r>
+            <a:r>
+              <a:rPr lang="en-US" dirty="0" err="1" smtClean="0"/>
+              <a:t>theo</a:t>
+            </a:r>
+            <a:r>
+              <a:rPr lang="en-US" dirty="0" smtClean="0"/>
+              <a:t> </a:t>
+            </a:r>
+            <a:r>
+              <a:rPr lang="en-US" dirty="0" err="1" smtClean="0"/>
+              <a:t>hình</a:t>
+            </a:r>
+            <a:r>
+              <a:rPr lang="en-US" dirty="0" smtClean="0"/>
+              <a:t> </a:t>
+            </a:r>
+            <a:r>
+              <a:rPr lang="en-US" dirty="0" err="1" smtClean="0"/>
+              <a:t>dạng</a:t>
+            </a:r>
+            <a:r>
+              <a:rPr lang="en-US" dirty="0" smtClean="0"/>
+              <a:t> </a:t>
+            </a:r>
+            <a:r>
+              <a:rPr lang="en-US" dirty="0" err="1" smtClean="0"/>
+              <a:t>kiểu</a:t>
+            </a:r>
+            <a:r>
+              <a:rPr lang="en-US" dirty="0" smtClean="0"/>
+              <a:t> </a:t>
+            </a:r>
+            <a:r>
+              <a:rPr lang="en-US" dirty="0" err="1" smtClean="0"/>
+              <a:t>độc</a:t>
+            </a:r>
+            <a:r>
+              <a:rPr lang="en-US" dirty="0" smtClean="0"/>
+              <a:t> </a:t>
+            </a:r>
+            <a:r>
+              <a:rPr lang="en-US" dirty="0" err="1" smtClean="0"/>
+              <a:t>để</a:t>
+            </a:r>
+            <a:r>
+              <a:rPr lang="en-US" dirty="0" smtClean="0"/>
+              <a:t> </a:t>
+            </a:r>
+            <a:r>
+              <a:rPr lang="en-US" dirty="0" err="1" smtClean="0"/>
+              <a:t>tạo</a:t>
+            </a:r>
+            <a:r>
+              <a:rPr lang="en-US" dirty="0" smtClean="0"/>
+              <a:t> </a:t>
+            </a:r>
+            <a:r>
+              <a:rPr lang="en-US" dirty="0" err="1" smtClean="0"/>
+              <a:t>ra</a:t>
+            </a:r>
+            <a:r>
+              <a:rPr lang="en-US" dirty="0" smtClean="0"/>
+              <a:t> </a:t>
+            </a:r>
+            <a:r>
+              <a:rPr lang="en-US" dirty="0" err="1" smtClean="0"/>
+              <a:t>sự</a:t>
+            </a:r>
+            <a:r>
+              <a:rPr lang="en-US" dirty="0" smtClean="0"/>
+              <a:t> </a:t>
+            </a:r>
+            <a:r>
+              <a:rPr lang="en-US" dirty="0" err="1" smtClean="0"/>
+              <a:t>khác</a:t>
+            </a:r>
+            <a:r>
+              <a:rPr lang="en-US" dirty="0" smtClean="0"/>
+              <a:t> </a:t>
+            </a:r>
+            <a:r>
+              <a:rPr lang="en-US" dirty="0" err="1" smtClean="0"/>
+              <a:t>biệt</a:t>
+            </a:r>
+            <a:r>
+              <a:rPr lang="en-US" dirty="0" smtClean="0"/>
+              <a:t> </a:t>
+            </a:r>
+            <a:r>
+              <a:rPr lang="en-US" dirty="0" err="1" smtClean="0"/>
+              <a:t>càng</a:t>
+            </a:r>
+            <a:r>
+              <a:rPr lang="en-US" dirty="0" smtClean="0"/>
+              <a:t> </a:t>
+            </a:r>
+            <a:r>
+              <a:rPr lang="en-US" dirty="0" err="1" smtClean="0"/>
+              <a:t>lớn</a:t>
+            </a:r>
+            <a:r>
+              <a:rPr lang="en-US" dirty="0" smtClean="0"/>
+              <a:t> </a:t>
+            </a:r>
+            <a:r>
+              <a:rPr lang="en-US" dirty="0" err="1" smtClean="0"/>
+              <a:t>càng</a:t>
+            </a:r>
+            <a:r>
+              <a:rPr lang="en-US" dirty="0" smtClean="0"/>
+              <a:t> </a:t>
+            </a:r>
+            <a:r>
+              <a:rPr lang="en-US" dirty="0" err="1" smtClean="0"/>
+              <a:t>tốt</a:t>
+            </a:r>
+            <a:endParaRPr lang="en-US" dirty="0" smtClean="0"/>
+          </a:p>
+          <a:p>
+            <a:pPr marL="285750" indent="-285750">
+              <a:buFontTx/>
+              <a:buChar char="-"/>
+            </a:pPr>
+            <a:r>
+              <a:rPr lang="en-US" dirty="0" err="1" smtClean="0"/>
+              <a:t>Compute_face_descriptor</a:t>
+            </a:r>
+            <a:r>
+              <a:rPr lang="en-US" dirty="0" smtClean="0"/>
+              <a:t>: encode face </a:t>
+            </a:r>
+            <a:r>
+              <a:rPr lang="en-US" dirty="0" err="1" smtClean="0"/>
+              <a:t>thành</a:t>
+            </a:r>
+            <a:r>
+              <a:rPr lang="en-US" dirty="0" smtClean="0"/>
+              <a:t> </a:t>
+            </a:r>
+            <a:r>
+              <a:rPr lang="en-US" dirty="0" err="1" smtClean="0"/>
+              <a:t>những</a:t>
+            </a:r>
+            <a:r>
+              <a:rPr lang="en-US" dirty="0" smtClean="0"/>
+              <a:t> </a:t>
+            </a:r>
+            <a:r>
+              <a:rPr lang="en-US" dirty="0" err="1" smtClean="0"/>
+              <a:t>dạng</a:t>
+            </a:r>
+            <a:r>
+              <a:rPr lang="en-US" dirty="0" smtClean="0"/>
+              <a:t> </a:t>
+            </a:r>
+            <a:r>
+              <a:rPr lang="en-US" dirty="0" err="1" smtClean="0"/>
+              <a:t>khác</a:t>
+            </a:r>
+            <a:r>
+              <a:rPr lang="en-US" dirty="0" smtClean="0"/>
+              <a:t> </a:t>
+            </a:r>
+            <a:r>
+              <a:rPr lang="en-US" dirty="0" err="1" smtClean="0"/>
+              <a:t>nhau</a:t>
+            </a:r>
+            <a:r>
+              <a:rPr lang="en-US" dirty="0" smtClean="0"/>
+              <a:t> .</a:t>
+            </a:r>
+          </a:p>
+          <a:p>
+            <a:pPr marL="285750" indent="-285750">
+              <a:buFontTx/>
+              <a:buChar char="-"/>
+            </a:pPr>
+            <a:r>
+              <a:rPr lang="en-US" dirty="0" smtClean="0"/>
+              <a:t>Predict face </a:t>
+            </a:r>
+            <a:r>
+              <a:rPr lang="en-US" dirty="0" err="1" smtClean="0"/>
+              <a:t>và</a:t>
+            </a:r>
+            <a:r>
+              <a:rPr lang="en-US" dirty="0" smtClean="0"/>
+              <a:t> </a:t>
+            </a:r>
+            <a:r>
+              <a:rPr lang="en-US" dirty="0" err="1" smtClean="0"/>
+              <a:t>đưa</a:t>
+            </a:r>
+            <a:r>
+              <a:rPr lang="en-US" dirty="0" smtClean="0"/>
+              <a:t> </a:t>
+            </a:r>
+            <a:r>
+              <a:rPr lang="en-US" dirty="0" err="1" smtClean="0"/>
+              <a:t>ra</a:t>
+            </a:r>
+            <a:r>
+              <a:rPr lang="en-US" dirty="0" smtClean="0"/>
+              <a:t> </a:t>
+            </a:r>
+            <a:r>
+              <a:rPr lang="en-US" dirty="0" err="1" smtClean="0"/>
+              <a:t>kết</a:t>
+            </a:r>
+            <a:r>
+              <a:rPr lang="en-US" dirty="0" smtClean="0"/>
+              <a:t> </a:t>
+            </a:r>
+            <a:r>
+              <a:rPr lang="en-US" smtClean="0"/>
+              <a:t>quả</a:t>
+            </a:r>
+            <a:endParaRPr lang="en-US"/>
+          </a:p>
+        </p:txBody>
+      </p:sp>
+    </p:spTree>
+    <p:extLst>
+      <p:ext uri="{BB962C8B-B14F-4D97-AF65-F5344CB8AC3E}">
+        <p14:creationId xmlns:p14="http://schemas.microsoft.com/office/powerpoint/2010/main" val="1346875941"/>
       </p:ext>
     </p:extLst>
   </p:cSld>
@@ -9351,6 +11577,527 @@
     <p:extLst>
       <p:ext uri="{BB962C8B-B14F-4D97-AF65-F5344CB8AC3E}">
         <p14:creationId xmlns:p14="http://schemas.microsoft.com/office/powerpoint/2010/main" val="1708157361"/>
+      </p:ext>
+    </p:extLst>
+  </p:cSld>
+  <p:clrMapOvr>
+    <a:masterClrMapping/>
+  </p:clrMapOvr>
+</p:sld>
+</file>
+
+<file path=ppt/slides/slide9.xml><?xml version="1.0" encoding="utf-8"?>
+<p:sld xmlns:a="http://schemas.openxmlformats.org/drawingml/2006/main" xmlns:r="http://schemas.openxmlformats.org/officeDocument/2006/relationships" xmlns:p="http://schemas.openxmlformats.org/presentationml/2006/main">
+  <p:cSld>
+    <p:spTree>
+      <p:nvGrpSpPr>
+        <p:cNvPr id="1" name=""/>
+        <p:cNvGrpSpPr/>
+        <p:nvPr/>
+      </p:nvGrpSpPr>
+      <p:grpSpPr>
+        <a:xfrm>
+          <a:off x="0" y="0"/>
+          <a:ext cx="0" cy="0"/>
+          <a:chOff x="0" y="0"/>
+          <a:chExt cx="0" cy="0"/>
+        </a:xfrm>
+      </p:grpSpPr>
+      <p:pic>
+        <p:nvPicPr>
+          <p:cNvPr id="4" name="Picture 3"/>
+          <p:cNvPicPr>
+            <a:picLocks noChangeAspect="1"/>
+          </p:cNvPicPr>
+          <p:nvPr/>
+        </p:nvPicPr>
+        <p:blipFill>
+          <a:blip r:embed="rId2"/>
+          <a:stretch>
+            <a:fillRect/>
+          </a:stretch>
+        </p:blipFill>
+        <p:spPr>
+          <a:xfrm>
+            <a:off x="388755" y="253909"/>
+            <a:ext cx="10334625" cy="933450"/>
+          </a:xfrm>
+          <a:prstGeom prst="rect">
+            <a:avLst/>
+          </a:prstGeom>
+        </p:spPr>
+      </p:pic>
+      <p:sp>
+        <p:nvSpPr>
+          <p:cNvPr id="5" name="TextBox 4"/>
+          <p:cNvSpPr txBox="1"/>
+          <p:nvPr/>
+        </p:nvSpPr>
+        <p:spPr>
+          <a:xfrm>
+            <a:off x="618309" y="1645920"/>
+            <a:ext cx="9570720" cy="646331"/>
+          </a:xfrm>
+          <a:prstGeom prst="rect">
+            <a:avLst/>
+          </a:prstGeom>
+          <a:noFill/>
+        </p:spPr>
+        <p:txBody>
+          <a:bodyPr wrap="square" rtlCol="0">
+            <a:spAutoFit/>
+          </a:bodyPr>
+          <a:lstStyle/>
+          <a:p>
+            <a:r>
+              <a:rPr lang="en-US" dirty="0" smtClean="0"/>
+              <a:t>- </a:t>
+            </a:r>
+            <a:r>
+              <a:rPr lang="en-US" dirty="0" err="1" smtClean="0"/>
+              <a:t>Sử</a:t>
+            </a:r>
+            <a:r>
+              <a:rPr lang="en-US" dirty="0" smtClean="0"/>
+              <a:t> </a:t>
+            </a:r>
+            <a:r>
+              <a:rPr lang="en-US" dirty="0" err="1" smtClean="0"/>
+              <a:t>dụng</a:t>
+            </a:r>
+            <a:r>
+              <a:rPr lang="en-US" dirty="0" smtClean="0"/>
+              <a:t> </a:t>
+            </a:r>
+            <a:r>
+              <a:rPr lang="en-US" dirty="0" err="1" smtClean="0"/>
+              <a:t>thư</a:t>
+            </a:r>
+            <a:r>
+              <a:rPr lang="en-US" dirty="0" smtClean="0"/>
+              <a:t> </a:t>
+            </a:r>
+            <a:r>
+              <a:rPr lang="en-US" dirty="0" err="1" smtClean="0"/>
+              <a:t>viện</a:t>
+            </a:r>
+            <a:r>
+              <a:rPr lang="en-US" dirty="0" smtClean="0"/>
+              <a:t> </a:t>
+            </a:r>
+            <a:r>
+              <a:rPr lang="en-US" dirty="0" err="1" smtClean="0"/>
+              <a:t>nhận</a:t>
+            </a:r>
+            <a:r>
+              <a:rPr lang="en-US" dirty="0" smtClean="0"/>
+              <a:t> </a:t>
+            </a:r>
+            <a:r>
+              <a:rPr lang="en-US" dirty="0" err="1" smtClean="0"/>
+              <a:t>diện</a:t>
+            </a:r>
+            <a:r>
+              <a:rPr lang="en-US" dirty="0" smtClean="0"/>
+              <a:t> </a:t>
+            </a:r>
+            <a:r>
+              <a:rPr lang="en-US" dirty="0" err="1" smtClean="0"/>
+              <a:t>mặt</a:t>
+            </a:r>
+            <a:r>
+              <a:rPr lang="en-US" dirty="0" smtClean="0"/>
+              <a:t> </a:t>
+            </a:r>
+            <a:r>
+              <a:rPr lang="en-US" dirty="0" err="1" smtClean="0"/>
+              <a:t>trước</a:t>
+            </a:r>
+            <a:r>
+              <a:rPr lang="en-US" dirty="0" smtClean="0"/>
+              <a:t> </a:t>
+            </a:r>
+            <a:r>
+              <a:rPr lang="en-US" dirty="0" err="1" smtClean="0"/>
+              <a:t>của</a:t>
+            </a:r>
+            <a:r>
+              <a:rPr lang="en-US" dirty="0" smtClean="0"/>
+              <a:t> </a:t>
+            </a:r>
+            <a:r>
+              <a:rPr lang="en-US" dirty="0" err="1" smtClean="0"/>
+              <a:t>Dlib</a:t>
+            </a:r>
+            <a:endParaRPr lang="en-US" dirty="0" smtClean="0"/>
+          </a:p>
+          <a:p>
+            <a:r>
+              <a:rPr lang="en-US" dirty="0" smtClean="0"/>
+              <a:t>- file.dat </a:t>
+            </a:r>
+            <a:r>
+              <a:rPr lang="en-US" dirty="0" err="1" smtClean="0"/>
+              <a:t>là</a:t>
+            </a:r>
+            <a:r>
+              <a:rPr lang="en-US" dirty="0" smtClean="0"/>
+              <a:t> </a:t>
+            </a:r>
+            <a:r>
+              <a:rPr lang="en-US" dirty="0" err="1" smtClean="0"/>
+              <a:t>bộ</a:t>
+            </a:r>
+            <a:r>
+              <a:rPr lang="en-US" dirty="0" smtClean="0"/>
+              <a:t> weight </a:t>
+            </a:r>
+            <a:r>
+              <a:rPr lang="en-US" dirty="0" err="1" smtClean="0"/>
+              <a:t>mà</a:t>
+            </a:r>
+            <a:r>
+              <a:rPr lang="en-US" dirty="0" smtClean="0"/>
+              <a:t> </a:t>
+            </a:r>
+            <a:r>
+              <a:rPr lang="en-US" dirty="0" err="1" smtClean="0"/>
+              <a:t>dlib</a:t>
+            </a:r>
+            <a:r>
+              <a:rPr lang="en-US" dirty="0" smtClean="0"/>
+              <a:t> </a:t>
+            </a:r>
+            <a:r>
+              <a:rPr lang="en-US" dirty="0" err="1" smtClean="0"/>
+              <a:t>đã</a:t>
+            </a:r>
+            <a:r>
+              <a:rPr lang="en-US" dirty="0" smtClean="0"/>
+              <a:t> train </a:t>
+            </a:r>
+            <a:r>
+              <a:rPr lang="en-US" dirty="0" err="1" smtClean="0"/>
+              <a:t>và</a:t>
+            </a:r>
+            <a:r>
+              <a:rPr lang="en-US" dirty="0" smtClean="0"/>
+              <a:t> release </a:t>
+            </a:r>
+            <a:r>
+              <a:rPr lang="en-US" dirty="0" err="1" smtClean="0"/>
+              <a:t>để</a:t>
+            </a:r>
+            <a:r>
+              <a:rPr lang="en-US" dirty="0" smtClean="0"/>
+              <a:t> </a:t>
+            </a:r>
+            <a:r>
+              <a:rPr lang="en-US" dirty="0" err="1" smtClean="0"/>
+              <a:t>mình</a:t>
+            </a:r>
+            <a:r>
+              <a:rPr lang="en-US" dirty="0" smtClean="0"/>
+              <a:t> </a:t>
+            </a:r>
+            <a:r>
+              <a:rPr lang="en-US" dirty="0" err="1" smtClean="0"/>
+              <a:t>sử</a:t>
+            </a:r>
+            <a:r>
+              <a:rPr lang="en-US" dirty="0" smtClean="0"/>
+              <a:t> </a:t>
+            </a:r>
+            <a:r>
+              <a:rPr lang="en-US" dirty="0" err="1" smtClean="0"/>
+              <a:t>dụng</a:t>
+            </a:r>
+            <a:endParaRPr lang="en-US" dirty="0"/>
+          </a:p>
+        </p:txBody>
+      </p:sp>
+      <p:pic>
+        <p:nvPicPr>
+          <p:cNvPr id="6" name="Picture 5"/>
+          <p:cNvPicPr>
+            <a:picLocks noChangeAspect="1"/>
+          </p:cNvPicPr>
+          <p:nvPr/>
+        </p:nvPicPr>
+        <p:blipFill>
+          <a:blip r:embed="rId3"/>
+          <a:stretch>
+            <a:fillRect/>
+          </a:stretch>
+        </p:blipFill>
+        <p:spPr>
+          <a:xfrm>
+            <a:off x="511492" y="2465478"/>
+            <a:ext cx="10315575" cy="1247775"/>
+          </a:xfrm>
+          <a:prstGeom prst="rect">
+            <a:avLst/>
+          </a:prstGeom>
+        </p:spPr>
+      </p:pic>
+      <p:sp>
+        <p:nvSpPr>
+          <p:cNvPr id="7" name="TextBox 6"/>
+          <p:cNvSpPr txBox="1"/>
+          <p:nvPr/>
+        </p:nvSpPr>
+        <p:spPr>
+          <a:xfrm>
+            <a:off x="388755" y="3814354"/>
+            <a:ext cx="10732091" cy="1477328"/>
+          </a:xfrm>
+          <a:prstGeom prst="rect">
+            <a:avLst/>
+          </a:prstGeom>
+          <a:noFill/>
+        </p:spPr>
+        <p:txBody>
+          <a:bodyPr wrap="square" rtlCol="0">
+            <a:spAutoFit/>
+          </a:bodyPr>
+          <a:lstStyle/>
+          <a:p>
+            <a:pPr marL="285750" indent="-285750">
+              <a:buFontTx/>
+              <a:buChar char="-"/>
+            </a:pPr>
+            <a:r>
+              <a:rPr lang="en-US" dirty="0" err="1" smtClean="0"/>
+              <a:t>Đọc</a:t>
+            </a:r>
+            <a:r>
+              <a:rPr lang="en-US" dirty="0" smtClean="0"/>
+              <a:t> </a:t>
+            </a:r>
+            <a:r>
+              <a:rPr lang="en-US" dirty="0" err="1" smtClean="0"/>
+              <a:t>ảnh</a:t>
+            </a:r>
+            <a:endParaRPr lang="en-US" dirty="0" smtClean="0"/>
+          </a:p>
+          <a:p>
+            <a:pPr marL="285750" indent="-285750">
+              <a:buFontTx/>
+              <a:buChar char="-"/>
+            </a:pPr>
+            <a:r>
+              <a:rPr lang="en-US" dirty="0" smtClean="0"/>
+              <a:t>Resize </a:t>
+            </a:r>
+          </a:p>
+          <a:p>
+            <a:pPr marL="285750" indent="-285750">
+              <a:buFontTx/>
+              <a:buChar char="-"/>
+            </a:pPr>
+            <a:r>
+              <a:rPr lang="en-US" dirty="0" err="1" smtClean="0"/>
+              <a:t>Đổi</a:t>
+            </a:r>
+            <a:r>
+              <a:rPr lang="en-US" dirty="0" smtClean="0"/>
+              <a:t> </a:t>
+            </a:r>
+            <a:r>
+              <a:rPr lang="en-US" dirty="0" err="1" smtClean="0"/>
+              <a:t>màu</a:t>
+            </a:r>
+            <a:r>
+              <a:rPr lang="en-US" dirty="0" smtClean="0"/>
+              <a:t> </a:t>
+            </a:r>
+            <a:r>
+              <a:rPr lang="en-US" dirty="0" err="1" smtClean="0"/>
+              <a:t>xám</a:t>
+            </a:r>
+            <a:endParaRPr lang="en-US" dirty="0" smtClean="0"/>
+          </a:p>
+          <a:p>
+            <a:pPr marL="285750" indent="-285750">
+              <a:buFontTx/>
+              <a:buChar char="-"/>
+            </a:pPr>
+            <a:r>
+              <a:rPr lang="en-US" dirty="0" smtClean="0"/>
+              <a:t>Detect </a:t>
+            </a:r>
+            <a:r>
+              <a:rPr lang="en-US" dirty="0" err="1" smtClean="0"/>
+              <a:t>khuôn</a:t>
+            </a:r>
+            <a:r>
+              <a:rPr lang="en-US" dirty="0" smtClean="0"/>
+              <a:t> </a:t>
+            </a:r>
+            <a:r>
+              <a:rPr lang="en-US" dirty="0" err="1" smtClean="0"/>
+              <a:t>mặt</a:t>
+            </a:r>
+            <a:r>
+              <a:rPr lang="en-US" dirty="0" smtClean="0"/>
+              <a:t> </a:t>
+            </a:r>
+            <a:r>
+              <a:rPr lang="en-US" dirty="0" err="1" smtClean="0"/>
+              <a:t>với</a:t>
+            </a:r>
+            <a:r>
+              <a:rPr lang="en-US" dirty="0" smtClean="0"/>
+              <a:t> </a:t>
+            </a:r>
+            <a:r>
+              <a:rPr lang="en-US" dirty="0" err="1" smtClean="0"/>
+              <a:t>mẫu</a:t>
+            </a:r>
+            <a:r>
+              <a:rPr lang="en-US" dirty="0" smtClean="0"/>
+              <a:t> </a:t>
+            </a:r>
+            <a:r>
+              <a:rPr lang="en-US" dirty="0" err="1" smtClean="0"/>
+              <a:t>là</a:t>
+            </a:r>
+            <a:r>
+              <a:rPr lang="en-US" dirty="0" smtClean="0"/>
+              <a:t> 1, </a:t>
+            </a:r>
+            <a:r>
+              <a:rPr lang="en-US" dirty="0" err="1" smtClean="0"/>
+              <a:t>ví</a:t>
+            </a:r>
+            <a:r>
+              <a:rPr lang="en-US" dirty="0" smtClean="0"/>
+              <a:t> </a:t>
+            </a:r>
+            <a:r>
+              <a:rPr lang="en-US" dirty="0" err="1" smtClean="0"/>
+              <a:t>dụ</a:t>
+            </a:r>
+            <a:r>
+              <a:rPr lang="en-US" dirty="0" smtClean="0"/>
+              <a:t> </a:t>
+            </a:r>
+            <a:r>
+              <a:rPr lang="en-US" dirty="0" err="1" smtClean="0"/>
+              <a:t>mẫu</a:t>
+            </a:r>
+            <a:r>
+              <a:rPr lang="en-US" dirty="0" smtClean="0"/>
+              <a:t> </a:t>
+            </a:r>
+            <a:r>
+              <a:rPr lang="en-US" dirty="0" err="1" smtClean="0"/>
+              <a:t>là</a:t>
+            </a:r>
+            <a:r>
+              <a:rPr lang="en-US" dirty="0" smtClean="0"/>
+              <a:t> 2 </a:t>
+            </a:r>
+            <a:r>
+              <a:rPr lang="en-US" dirty="0" err="1" smtClean="0"/>
+              <a:t>thì</a:t>
+            </a:r>
+            <a:r>
+              <a:rPr lang="en-US" dirty="0" smtClean="0"/>
+              <a:t> </a:t>
+            </a:r>
+            <a:r>
+              <a:rPr lang="en-US" dirty="0" err="1" smtClean="0"/>
+              <a:t>sẽ</a:t>
+            </a:r>
+            <a:r>
+              <a:rPr lang="en-US" dirty="0" smtClean="0"/>
+              <a:t> </a:t>
+            </a:r>
+            <a:r>
+              <a:rPr lang="en-US" dirty="0" err="1" smtClean="0"/>
+              <a:t>làm</a:t>
+            </a:r>
+            <a:r>
+              <a:rPr lang="en-US" dirty="0" smtClean="0"/>
+              <a:t> </a:t>
+            </a:r>
+            <a:r>
+              <a:rPr lang="en-US" dirty="0" err="1" smtClean="0"/>
+              <a:t>cho</a:t>
+            </a:r>
+            <a:r>
+              <a:rPr lang="en-US" dirty="0" smtClean="0"/>
+              <a:t> </a:t>
+            </a:r>
+            <a:r>
+              <a:rPr lang="en-US" dirty="0" err="1" smtClean="0"/>
+              <a:t>khung</a:t>
+            </a:r>
+            <a:r>
+              <a:rPr lang="en-US" dirty="0" smtClean="0"/>
+              <a:t> detect to </a:t>
+            </a:r>
+            <a:r>
+              <a:rPr lang="en-US" dirty="0" err="1" smtClean="0"/>
+              <a:t>hơn</a:t>
+            </a:r>
+            <a:r>
+              <a:rPr lang="en-US" dirty="0" smtClean="0"/>
+              <a:t>, </a:t>
+            </a:r>
+            <a:r>
+              <a:rPr lang="en-US" dirty="0" err="1" smtClean="0"/>
+              <a:t>tìm</a:t>
+            </a:r>
+            <a:r>
+              <a:rPr lang="en-US" dirty="0" smtClean="0"/>
+              <a:t> </a:t>
+            </a:r>
+            <a:r>
+              <a:rPr lang="en-US" dirty="0" err="1" smtClean="0"/>
+              <a:t>được</a:t>
+            </a:r>
+            <a:r>
+              <a:rPr lang="en-US" dirty="0" smtClean="0"/>
+              <a:t> </a:t>
+            </a:r>
+            <a:r>
+              <a:rPr lang="en-US" dirty="0" err="1" smtClean="0"/>
+              <a:t>nhiều</a:t>
+            </a:r>
+            <a:r>
+              <a:rPr lang="en-US" dirty="0" smtClean="0"/>
+              <a:t> </a:t>
+            </a:r>
+            <a:r>
+              <a:rPr lang="en-US" dirty="0" err="1" smtClean="0"/>
+              <a:t>khuôn</a:t>
+            </a:r>
+            <a:r>
+              <a:rPr lang="en-US" dirty="0" smtClean="0"/>
+              <a:t> </a:t>
+            </a:r>
+            <a:r>
+              <a:rPr lang="en-US" dirty="0" err="1" smtClean="0"/>
+              <a:t>mặt</a:t>
+            </a:r>
+            <a:r>
+              <a:rPr lang="en-US" dirty="0" smtClean="0"/>
+              <a:t> </a:t>
+            </a:r>
+            <a:r>
+              <a:rPr lang="en-US" dirty="0" err="1" smtClean="0"/>
+              <a:t>hơn</a:t>
+            </a:r>
+            <a:endParaRPr lang="en-US" dirty="0"/>
+          </a:p>
+        </p:txBody>
+      </p:sp>
+    </p:spTree>
+    <p:extLst>
+      <p:ext uri="{BB962C8B-B14F-4D97-AF65-F5344CB8AC3E}">
+        <p14:creationId xmlns:p14="http://schemas.microsoft.com/office/powerpoint/2010/main" val="4102703375"/>
       </p:ext>
     </p:extLst>
   </p:cSld>
